--- a/corporate-partners-appendix/modules/mentors/attachments/Mentor_Meeting_3.pptx
+++ b/corporate-partners-appendix/modules/mentors/attachments/Mentor_Meeting_3.pptx
@@ -5,61 +5,60 @@
     <p:sldMasterId id="2147483648" r:id="rId4"/>
   </p:sldMasterIdLst>
   <p:notesMasterIdLst>
-    <p:notesMasterId r:id="rId14"/>
+    <p:notesMasterId r:id="rId13"/>
   </p:notesMasterIdLst>
   <p:sldIdLst>
     <p:sldId id="267" r:id="rId5"/>
     <p:sldId id="295" r:id="rId6"/>
-    <p:sldId id="302" r:id="rId7"/>
-    <p:sldId id="300" r:id="rId8"/>
-    <p:sldId id="303" r:id="rId9"/>
-    <p:sldId id="304" r:id="rId10"/>
-    <p:sldId id="296" r:id="rId11"/>
-    <p:sldId id="305" r:id="rId12"/>
-    <p:sldId id="277" r:id="rId13"/>
+    <p:sldId id="300" r:id="rId7"/>
+    <p:sldId id="303" r:id="rId8"/>
+    <p:sldId id="304" r:id="rId9"/>
+    <p:sldId id="296" r:id="rId10"/>
+    <p:sldId id="305" r:id="rId11"/>
+    <p:sldId id="277" r:id="rId12"/>
   </p:sldIdLst>
   <p:sldSz cx="12192000" cy="6858000"/>
   <p:notesSz cx="6858000" cy="9144000"/>
   <p:embeddedFontLst>
     <p:embeddedFont>
       <p:font typeface="Acumin Pro" panose="020B0504020202020204" pitchFamily="34" charset="77"/>
-      <p:regular r:id="rId15"/>
-      <p:bold r:id="rId16"/>
-      <p:italic r:id="rId17"/>
-      <p:boldItalic r:id="rId18"/>
+      <p:regular r:id="rId14"/>
+      <p:bold r:id="rId15"/>
+      <p:italic r:id="rId16"/>
+      <p:boldItalic r:id="rId17"/>
     </p:embeddedFont>
     <p:embeddedFont>
       <p:font typeface="Acumin Pro Condensed Semibold" panose="020B0706020202020204" pitchFamily="34" charset="77"/>
-      <p:regular r:id="rId19"/>
-      <p:bold r:id="rId20"/>
-      <p:italic r:id="rId21"/>
-      <p:boldItalic r:id="rId22"/>
+      <p:regular r:id="rId18"/>
+      <p:bold r:id="rId19"/>
+      <p:italic r:id="rId20"/>
+      <p:boldItalic r:id="rId21"/>
     </p:embeddedFont>
     <p:embeddedFont>
       <p:font typeface="Acumin Pro Medium" panose="020F0502020204030204" pitchFamily="34" charset="0"/>
-      <p:regular r:id="rId23"/>
-      <p:italic r:id="rId24"/>
+      <p:regular r:id="rId22"/>
+      <p:italic r:id="rId23"/>
     </p:embeddedFont>
     <p:embeddedFont>
       <p:font typeface="Acumin Pro Semibold" panose="020B0704020202020204" pitchFamily="34" charset="77"/>
-      <p:regular r:id="rId25"/>
-      <p:bold r:id="rId26"/>
-      <p:italic r:id="rId27"/>
-      <p:boldItalic r:id="rId28"/>
+      <p:regular r:id="rId24"/>
+      <p:bold r:id="rId25"/>
+      <p:italic r:id="rId26"/>
+      <p:boldItalic r:id="rId27"/>
     </p:embeddedFont>
     <p:embeddedFont>
       <p:font typeface="Franklin Gothic Book" panose="020B0503020102020204" pitchFamily="34" charset="0"/>
-      <p:regular r:id="rId29"/>
-      <p:italic r:id="rId30"/>
+      <p:regular r:id="rId28"/>
+      <p:italic r:id="rId29"/>
     </p:embeddedFont>
     <p:embeddedFont>
       <p:font typeface="Franklin Gothic Medium" panose="020B0603020102020204" pitchFamily="34" charset="0"/>
-      <p:regular r:id="rId31"/>
-      <p:italic r:id="rId32"/>
+      <p:regular r:id="rId30"/>
+      <p:italic r:id="rId31"/>
     </p:embeddedFont>
     <p:embeddedFont>
       <p:font typeface="Franklin Gothic Medium Cond" panose="020B0606030402020204" pitchFamily="34" charset="0"/>
-      <p:regular r:id="rId33"/>
+      <p:regular r:id="rId32"/>
     </p:embeddedFont>
   </p:embeddedFontLst>
   <p:defaultTextStyle>
@@ -930,753 +929,6 @@
 </file>
 
 <file path=ppt/diagrams/colors2.xml><?xml version="1.0" encoding="utf-8"?>
-<dgm:colorsDef xmlns:dgm="http://schemas.openxmlformats.org/drawingml/2006/diagram" xmlns:a="http://schemas.openxmlformats.org/drawingml/2006/main" uniqueId="urn:microsoft.com/office/officeart/2005/8/colors/accent2_2">
-  <dgm:title val=""/>
-  <dgm:desc val=""/>
-  <dgm:catLst>
-    <dgm:cat type="accent2" pri="11200"/>
-  </dgm:catLst>
-  <dgm:styleLbl name="node0">
-    <dgm:fillClrLst meth="repeat">
-      <a:schemeClr val="accent2"/>
-    </dgm:fillClrLst>
-    <dgm:linClrLst meth="repeat">
-      <a:schemeClr val="lt1"/>
-    </dgm:linClrLst>
-    <dgm:effectClrLst/>
-    <dgm:txLinClrLst/>
-    <dgm:txFillClrLst/>
-    <dgm:txEffectClrLst/>
-  </dgm:styleLbl>
-  <dgm:styleLbl name="node1">
-    <dgm:fillClrLst meth="repeat">
-      <a:schemeClr val="accent2"/>
-    </dgm:fillClrLst>
-    <dgm:linClrLst meth="repeat">
-      <a:schemeClr val="lt1"/>
-    </dgm:linClrLst>
-    <dgm:effectClrLst/>
-    <dgm:txLinClrLst/>
-    <dgm:txFillClrLst/>
-    <dgm:txEffectClrLst/>
-  </dgm:styleLbl>
-  <dgm:styleLbl name="alignNode1">
-    <dgm:fillClrLst meth="repeat">
-      <a:schemeClr val="accent2"/>
-    </dgm:fillClrLst>
-    <dgm:linClrLst meth="repeat">
-      <a:schemeClr val="accent2"/>
-    </dgm:linClrLst>
-    <dgm:effectClrLst/>
-    <dgm:txLinClrLst/>
-    <dgm:txFillClrLst/>
-    <dgm:txEffectClrLst/>
-  </dgm:styleLbl>
-  <dgm:styleLbl name="lnNode1">
-    <dgm:fillClrLst meth="repeat">
-      <a:schemeClr val="accent2"/>
-    </dgm:fillClrLst>
-    <dgm:linClrLst meth="repeat">
-      <a:schemeClr val="lt1"/>
-    </dgm:linClrLst>
-    <dgm:effectClrLst/>
-    <dgm:txLinClrLst/>
-    <dgm:txFillClrLst/>
-    <dgm:txEffectClrLst/>
-  </dgm:styleLbl>
-  <dgm:styleLbl name="vennNode1">
-    <dgm:fillClrLst meth="repeat">
-      <a:schemeClr val="accent2">
-        <a:alpha val="50000"/>
-      </a:schemeClr>
-    </dgm:fillClrLst>
-    <dgm:linClrLst meth="repeat">
-      <a:schemeClr val="lt1"/>
-    </dgm:linClrLst>
-    <dgm:effectClrLst/>
-    <dgm:txLinClrLst/>
-    <dgm:txFillClrLst/>
-    <dgm:txEffectClrLst/>
-  </dgm:styleLbl>
-  <dgm:styleLbl name="node2">
-    <dgm:fillClrLst meth="repeat">
-      <a:schemeClr val="accent2"/>
-    </dgm:fillClrLst>
-    <dgm:linClrLst meth="repeat">
-      <a:schemeClr val="lt1"/>
-    </dgm:linClrLst>
-    <dgm:effectClrLst/>
-    <dgm:txLinClrLst/>
-    <dgm:txFillClrLst/>
-    <dgm:txEffectClrLst/>
-  </dgm:styleLbl>
-  <dgm:styleLbl name="node3">
-    <dgm:fillClrLst meth="repeat">
-      <a:schemeClr val="accent2"/>
-    </dgm:fillClrLst>
-    <dgm:linClrLst meth="repeat">
-      <a:schemeClr val="lt1"/>
-    </dgm:linClrLst>
-    <dgm:effectClrLst/>
-    <dgm:txLinClrLst/>
-    <dgm:txFillClrLst/>
-    <dgm:txEffectClrLst/>
-  </dgm:styleLbl>
-  <dgm:styleLbl name="node4">
-    <dgm:fillClrLst meth="repeat">
-      <a:schemeClr val="accent2"/>
-    </dgm:fillClrLst>
-    <dgm:linClrLst meth="repeat">
-      <a:schemeClr val="lt1"/>
-    </dgm:linClrLst>
-    <dgm:effectClrLst/>
-    <dgm:txLinClrLst/>
-    <dgm:txFillClrLst/>
-    <dgm:txEffectClrLst/>
-  </dgm:styleLbl>
-  <dgm:styleLbl name="fgImgPlace1">
-    <dgm:fillClrLst meth="repeat">
-      <a:schemeClr val="accent2">
-        <a:tint val="50000"/>
-      </a:schemeClr>
-    </dgm:fillClrLst>
-    <dgm:linClrLst meth="repeat">
-      <a:schemeClr val="lt1"/>
-    </dgm:linClrLst>
-    <dgm:effectClrLst/>
-    <dgm:txLinClrLst/>
-    <dgm:txFillClrLst meth="repeat">
-      <a:schemeClr val="lt1"/>
-    </dgm:txFillClrLst>
-    <dgm:txEffectClrLst/>
-  </dgm:styleLbl>
-  <dgm:styleLbl name="alignImgPlace1">
-    <dgm:fillClrLst meth="repeat">
-      <a:schemeClr val="accent2">
-        <a:tint val="50000"/>
-      </a:schemeClr>
-    </dgm:fillClrLst>
-    <dgm:linClrLst meth="repeat">
-      <a:schemeClr val="lt1"/>
-    </dgm:linClrLst>
-    <dgm:effectClrLst/>
-    <dgm:txLinClrLst/>
-    <dgm:txFillClrLst meth="repeat">
-      <a:schemeClr val="lt1"/>
-    </dgm:txFillClrLst>
-    <dgm:txEffectClrLst/>
-  </dgm:styleLbl>
-  <dgm:styleLbl name="bgImgPlace1">
-    <dgm:fillClrLst meth="repeat">
-      <a:schemeClr val="accent2">
-        <a:tint val="50000"/>
-      </a:schemeClr>
-    </dgm:fillClrLst>
-    <dgm:linClrLst meth="repeat">
-      <a:schemeClr val="lt1"/>
-    </dgm:linClrLst>
-    <dgm:effectClrLst/>
-    <dgm:txLinClrLst/>
-    <dgm:txFillClrLst meth="repeat">
-      <a:schemeClr val="lt1"/>
-    </dgm:txFillClrLst>
-    <dgm:txEffectClrLst/>
-  </dgm:styleLbl>
-  <dgm:styleLbl name="sibTrans2D1">
-    <dgm:fillClrLst meth="repeat">
-      <a:schemeClr val="accent2">
-        <a:tint val="60000"/>
-      </a:schemeClr>
-    </dgm:fillClrLst>
-    <dgm:linClrLst meth="repeat">
-      <a:schemeClr val="accent2">
-        <a:tint val="60000"/>
-      </a:schemeClr>
-    </dgm:linClrLst>
-    <dgm:effectClrLst/>
-    <dgm:txLinClrLst/>
-    <dgm:txFillClrLst/>
-    <dgm:txEffectClrLst/>
-  </dgm:styleLbl>
-  <dgm:styleLbl name="fgSibTrans2D1">
-    <dgm:fillClrLst meth="repeat">
-      <a:schemeClr val="accent2">
-        <a:tint val="60000"/>
-      </a:schemeClr>
-    </dgm:fillClrLst>
-    <dgm:linClrLst meth="repeat">
-      <a:schemeClr val="accent2">
-        <a:tint val="60000"/>
-      </a:schemeClr>
-    </dgm:linClrLst>
-    <dgm:effectClrLst/>
-    <dgm:txLinClrLst/>
-    <dgm:txFillClrLst/>
-    <dgm:txEffectClrLst/>
-  </dgm:styleLbl>
-  <dgm:styleLbl name="bgSibTrans2D1">
-    <dgm:fillClrLst meth="repeat">
-      <a:schemeClr val="accent2">
-        <a:tint val="60000"/>
-      </a:schemeClr>
-    </dgm:fillClrLst>
-    <dgm:linClrLst meth="repeat">
-      <a:schemeClr val="accent2">
-        <a:tint val="60000"/>
-      </a:schemeClr>
-    </dgm:linClrLst>
-    <dgm:effectClrLst/>
-    <dgm:txLinClrLst/>
-    <dgm:txFillClrLst/>
-    <dgm:txEffectClrLst/>
-  </dgm:styleLbl>
-  <dgm:styleLbl name="sibTrans1D1">
-    <dgm:fillClrLst meth="repeat">
-      <a:schemeClr val="accent2"/>
-    </dgm:fillClrLst>
-    <dgm:linClrLst meth="repeat">
-      <a:schemeClr val="accent2"/>
-    </dgm:linClrLst>
-    <dgm:effectClrLst/>
-    <dgm:txLinClrLst/>
-    <dgm:txFillClrLst meth="repeat">
-      <a:schemeClr val="tx1"/>
-    </dgm:txFillClrLst>
-    <dgm:txEffectClrLst/>
-  </dgm:styleLbl>
-  <dgm:styleLbl name="callout">
-    <dgm:fillClrLst meth="repeat">
-      <a:schemeClr val="accent2"/>
-    </dgm:fillClrLst>
-    <dgm:linClrLst meth="repeat">
-      <a:schemeClr val="accent2">
-        <a:tint val="50000"/>
-      </a:schemeClr>
-    </dgm:linClrLst>
-    <dgm:effectClrLst/>
-    <dgm:txLinClrLst/>
-    <dgm:txFillClrLst meth="repeat">
-      <a:schemeClr val="tx1"/>
-    </dgm:txFillClrLst>
-    <dgm:txEffectClrLst/>
-  </dgm:styleLbl>
-  <dgm:styleLbl name="asst0">
-    <dgm:fillClrLst meth="repeat">
-      <a:schemeClr val="accent2"/>
-    </dgm:fillClrLst>
-    <dgm:linClrLst meth="repeat">
-      <a:schemeClr val="lt1"/>
-    </dgm:linClrLst>
-    <dgm:effectClrLst/>
-    <dgm:txLinClrLst/>
-    <dgm:txFillClrLst/>
-    <dgm:txEffectClrLst/>
-  </dgm:styleLbl>
-  <dgm:styleLbl name="asst1">
-    <dgm:fillClrLst meth="repeat">
-      <a:schemeClr val="accent2"/>
-    </dgm:fillClrLst>
-    <dgm:linClrLst meth="repeat">
-      <a:schemeClr val="lt1"/>
-    </dgm:linClrLst>
-    <dgm:effectClrLst/>
-    <dgm:txLinClrLst/>
-    <dgm:txFillClrLst/>
-    <dgm:txEffectClrLst/>
-  </dgm:styleLbl>
-  <dgm:styleLbl name="asst2">
-    <dgm:fillClrLst meth="repeat">
-      <a:schemeClr val="accent2"/>
-    </dgm:fillClrLst>
-    <dgm:linClrLst meth="repeat">
-      <a:schemeClr val="lt1"/>
-    </dgm:linClrLst>
-    <dgm:effectClrLst/>
-    <dgm:txLinClrLst/>
-    <dgm:txFillClrLst/>
-    <dgm:txEffectClrLst/>
-  </dgm:styleLbl>
-  <dgm:styleLbl name="asst3">
-    <dgm:fillClrLst meth="repeat">
-      <a:schemeClr val="accent2"/>
-    </dgm:fillClrLst>
-    <dgm:linClrLst meth="repeat">
-      <a:schemeClr val="lt1"/>
-    </dgm:linClrLst>
-    <dgm:effectClrLst/>
-    <dgm:txLinClrLst/>
-    <dgm:txFillClrLst/>
-    <dgm:txEffectClrLst/>
-  </dgm:styleLbl>
-  <dgm:styleLbl name="asst4">
-    <dgm:fillClrLst meth="repeat">
-      <a:schemeClr val="accent2"/>
-    </dgm:fillClrLst>
-    <dgm:linClrLst meth="repeat">
-      <a:schemeClr val="lt1"/>
-    </dgm:linClrLst>
-    <dgm:effectClrLst/>
-    <dgm:txLinClrLst/>
-    <dgm:txFillClrLst/>
-    <dgm:txEffectClrLst/>
-  </dgm:styleLbl>
-  <dgm:styleLbl name="parChTrans2D1">
-    <dgm:fillClrLst meth="repeat">
-      <a:schemeClr val="accent2">
-        <a:tint val="60000"/>
-      </a:schemeClr>
-    </dgm:fillClrLst>
-    <dgm:linClrLst meth="repeat">
-      <a:schemeClr val="accent2">
-        <a:tint val="60000"/>
-      </a:schemeClr>
-    </dgm:linClrLst>
-    <dgm:effectClrLst/>
-    <dgm:txLinClrLst/>
-    <dgm:txFillClrLst meth="repeat">
-      <a:schemeClr val="lt1"/>
-    </dgm:txFillClrLst>
-    <dgm:txEffectClrLst/>
-  </dgm:styleLbl>
-  <dgm:styleLbl name="parChTrans2D2">
-    <dgm:fillClrLst meth="repeat">
-      <a:schemeClr val="accent2"/>
-    </dgm:fillClrLst>
-    <dgm:linClrLst meth="repeat">
-      <a:schemeClr val="accent2"/>
-    </dgm:linClrLst>
-    <dgm:effectClrLst/>
-    <dgm:txLinClrLst/>
-    <dgm:txFillClrLst meth="repeat">
-      <a:schemeClr val="lt1"/>
-    </dgm:txFillClrLst>
-    <dgm:txEffectClrLst/>
-  </dgm:styleLbl>
-  <dgm:styleLbl name="parChTrans2D3">
-    <dgm:fillClrLst meth="repeat">
-      <a:schemeClr val="accent2"/>
-    </dgm:fillClrLst>
-    <dgm:linClrLst meth="repeat">
-      <a:schemeClr val="accent2"/>
-    </dgm:linClrLst>
-    <dgm:effectClrLst/>
-    <dgm:txLinClrLst/>
-    <dgm:txFillClrLst meth="repeat">
-      <a:schemeClr val="lt1"/>
-    </dgm:txFillClrLst>
-    <dgm:txEffectClrLst/>
-  </dgm:styleLbl>
-  <dgm:styleLbl name="parChTrans2D4">
-    <dgm:fillClrLst meth="repeat">
-      <a:schemeClr val="accent2"/>
-    </dgm:fillClrLst>
-    <dgm:linClrLst meth="repeat">
-      <a:schemeClr val="accent2"/>
-    </dgm:linClrLst>
-    <dgm:effectClrLst/>
-    <dgm:txLinClrLst/>
-    <dgm:txFillClrLst meth="repeat">
-      <a:schemeClr val="lt1"/>
-    </dgm:txFillClrLst>
-    <dgm:txEffectClrLst/>
-  </dgm:styleLbl>
-  <dgm:styleLbl name="parChTrans1D1">
-    <dgm:fillClrLst meth="repeat">
-      <a:schemeClr val="accent2"/>
-    </dgm:fillClrLst>
-    <dgm:linClrLst meth="repeat">
-      <a:schemeClr val="accent2">
-        <a:shade val="60000"/>
-      </a:schemeClr>
-    </dgm:linClrLst>
-    <dgm:effectClrLst/>
-    <dgm:txLinClrLst/>
-    <dgm:txFillClrLst meth="repeat">
-      <a:schemeClr val="tx1"/>
-    </dgm:txFillClrLst>
-    <dgm:txEffectClrLst/>
-  </dgm:styleLbl>
-  <dgm:styleLbl name="parChTrans1D2">
-    <dgm:fillClrLst meth="repeat">
-      <a:schemeClr val="accent2"/>
-    </dgm:fillClrLst>
-    <dgm:linClrLst meth="repeat">
-      <a:schemeClr val="accent2">
-        <a:shade val="60000"/>
-      </a:schemeClr>
-    </dgm:linClrLst>
-    <dgm:effectClrLst/>
-    <dgm:txLinClrLst/>
-    <dgm:txFillClrLst meth="repeat">
-      <a:schemeClr val="tx1"/>
-    </dgm:txFillClrLst>
-    <dgm:txEffectClrLst/>
-  </dgm:styleLbl>
-  <dgm:styleLbl name="parChTrans1D3">
-    <dgm:fillClrLst meth="repeat">
-      <a:schemeClr val="accent2"/>
-    </dgm:fillClrLst>
-    <dgm:linClrLst meth="repeat">
-      <a:schemeClr val="accent2">
-        <a:shade val="80000"/>
-      </a:schemeClr>
-    </dgm:linClrLst>
-    <dgm:effectClrLst/>
-    <dgm:txLinClrLst/>
-    <dgm:txFillClrLst meth="repeat">
-      <a:schemeClr val="tx1"/>
-    </dgm:txFillClrLst>
-    <dgm:txEffectClrLst/>
-  </dgm:styleLbl>
-  <dgm:styleLbl name="parChTrans1D4">
-    <dgm:fillClrLst meth="repeat">
-      <a:schemeClr val="accent2"/>
-    </dgm:fillClrLst>
-    <dgm:linClrLst meth="repeat">
-      <a:schemeClr val="accent2">
-        <a:shade val="80000"/>
-      </a:schemeClr>
-    </dgm:linClrLst>
-    <dgm:effectClrLst/>
-    <dgm:txLinClrLst/>
-    <dgm:txFillClrLst meth="repeat">
-      <a:schemeClr val="tx1"/>
-    </dgm:txFillClrLst>
-    <dgm:txEffectClrLst/>
-  </dgm:styleLbl>
-  <dgm:styleLbl name="fgAcc1">
-    <dgm:fillClrLst meth="repeat">
-      <a:schemeClr val="lt1">
-        <a:alpha val="90000"/>
-      </a:schemeClr>
-    </dgm:fillClrLst>
-    <dgm:linClrLst meth="repeat">
-      <a:schemeClr val="accent2"/>
-    </dgm:linClrLst>
-    <dgm:effectClrLst/>
-    <dgm:txLinClrLst/>
-    <dgm:txFillClrLst meth="repeat">
-      <a:schemeClr val="dk1"/>
-    </dgm:txFillClrLst>
-    <dgm:txEffectClrLst/>
-  </dgm:styleLbl>
-  <dgm:styleLbl name="conFgAcc1">
-    <dgm:fillClrLst meth="repeat">
-      <a:schemeClr val="lt1">
-        <a:alpha val="90000"/>
-      </a:schemeClr>
-    </dgm:fillClrLst>
-    <dgm:linClrLst meth="repeat">
-      <a:schemeClr val="accent2"/>
-    </dgm:linClrLst>
-    <dgm:effectClrLst/>
-    <dgm:txLinClrLst/>
-    <dgm:txFillClrLst meth="repeat">
-      <a:schemeClr val="dk1"/>
-    </dgm:txFillClrLst>
-    <dgm:txEffectClrLst/>
-  </dgm:styleLbl>
-  <dgm:styleLbl name="alignAcc1">
-    <dgm:fillClrLst meth="repeat">
-      <a:schemeClr val="lt1">
-        <a:alpha val="90000"/>
-      </a:schemeClr>
-    </dgm:fillClrLst>
-    <dgm:linClrLst meth="repeat">
-      <a:schemeClr val="accent2"/>
-    </dgm:linClrLst>
-    <dgm:effectClrLst/>
-    <dgm:txLinClrLst/>
-    <dgm:txFillClrLst meth="repeat">
-      <a:schemeClr val="dk1"/>
-    </dgm:txFillClrLst>
-    <dgm:txEffectClrLst/>
-  </dgm:styleLbl>
-  <dgm:styleLbl name="trAlignAcc1">
-    <dgm:fillClrLst meth="repeat">
-      <a:schemeClr val="lt1">
-        <a:alpha val="40000"/>
-      </a:schemeClr>
-    </dgm:fillClrLst>
-    <dgm:linClrLst meth="repeat">
-      <a:schemeClr val="accent2"/>
-    </dgm:linClrLst>
-    <dgm:effectClrLst/>
-    <dgm:txLinClrLst/>
-    <dgm:txFillClrLst meth="repeat">
-      <a:schemeClr val="dk1"/>
-    </dgm:txFillClrLst>
-    <dgm:txEffectClrLst/>
-  </dgm:styleLbl>
-  <dgm:styleLbl name="bgAcc1">
-    <dgm:fillClrLst meth="repeat">
-      <a:schemeClr val="lt1">
-        <a:alpha val="90000"/>
-      </a:schemeClr>
-    </dgm:fillClrLst>
-    <dgm:linClrLst meth="repeat">
-      <a:schemeClr val="accent2"/>
-    </dgm:linClrLst>
-    <dgm:effectClrLst/>
-    <dgm:txLinClrLst/>
-    <dgm:txFillClrLst meth="repeat">
-      <a:schemeClr val="dk1"/>
-    </dgm:txFillClrLst>
-    <dgm:txEffectClrLst/>
-  </dgm:styleLbl>
-  <dgm:styleLbl name="solidFgAcc1">
-    <dgm:fillClrLst meth="repeat">
-      <a:schemeClr val="lt1"/>
-    </dgm:fillClrLst>
-    <dgm:linClrLst meth="repeat">
-      <a:schemeClr val="accent2"/>
-    </dgm:linClrLst>
-    <dgm:effectClrLst/>
-    <dgm:txLinClrLst/>
-    <dgm:txFillClrLst meth="repeat">
-      <a:schemeClr val="dk1"/>
-    </dgm:txFillClrLst>
-    <dgm:txEffectClrLst/>
-  </dgm:styleLbl>
-  <dgm:styleLbl name="solidAlignAcc1">
-    <dgm:fillClrLst meth="repeat">
-      <a:schemeClr val="lt1"/>
-    </dgm:fillClrLst>
-    <dgm:linClrLst meth="repeat">
-      <a:schemeClr val="accent2"/>
-    </dgm:linClrLst>
-    <dgm:effectClrLst/>
-    <dgm:txLinClrLst/>
-    <dgm:txFillClrLst meth="repeat">
-      <a:schemeClr val="dk1"/>
-    </dgm:txFillClrLst>
-    <dgm:txEffectClrLst/>
-  </dgm:styleLbl>
-  <dgm:styleLbl name="solidBgAcc1">
-    <dgm:fillClrLst meth="repeat">
-      <a:schemeClr val="lt1"/>
-    </dgm:fillClrLst>
-    <dgm:linClrLst meth="repeat">
-      <a:schemeClr val="accent2"/>
-    </dgm:linClrLst>
-    <dgm:effectClrLst/>
-    <dgm:txLinClrLst/>
-    <dgm:txFillClrLst meth="repeat">
-      <a:schemeClr val="dk1"/>
-    </dgm:txFillClrLst>
-    <dgm:txEffectClrLst/>
-  </dgm:styleLbl>
-  <dgm:styleLbl name="fgAccFollowNode1">
-    <dgm:fillClrLst meth="repeat">
-      <a:schemeClr val="accent2">
-        <a:alpha val="90000"/>
-        <a:tint val="40000"/>
-      </a:schemeClr>
-    </dgm:fillClrLst>
-    <dgm:linClrLst meth="repeat">
-      <a:schemeClr val="accent2">
-        <a:alpha val="90000"/>
-        <a:tint val="40000"/>
-      </a:schemeClr>
-    </dgm:linClrLst>
-    <dgm:effectClrLst/>
-    <dgm:txLinClrLst/>
-    <dgm:txFillClrLst meth="repeat">
-      <a:schemeClr val="dk1"/>
-    </dgm:txFillClrLst>
-    <dgm:txEffectClrLst/>
-  </dgm:styleLbl>
-  <dgm:styleLbl name="alignAccFollowNode1">
-    <dgm:fillClrLst meth="repeat">
-      <a:schemeClr val="accent2">
-        <a:alpha val="90000"/>
-        <a:tint val="40000"/>
-      </a:schemeClr>
-    </dgm:fillClrLst>
-    <dgm:linClrLst meth="repeat">
-      <a:schemeClr val="accent2">
-        <a:alpha val="90000"/>
-        <a:tint val="40000"/>
-      </a:schemeClr>
-    </dgm:linClrLst>
-    <dgm:effectClrLst/>
-    <dgm:txLinClrLst/>
-    <dgm:txFillClrLst meth="repeat">
-      <a:schemeClr val="dk1"/>
-    </dgm:txFillClrLst>
-    <dgm:txEffectClrLst/>
-  </dgm:styleLbl>
-  <dgm:styleLbl name="bgAccFollowNode1">
-    <dgm:fillClrLst meth="repeat">
-      <a:schemeClr val="accent2">
-        <a:alpha val="90000"/>
-        <a:tint val="40000"/>
-      </a:schemeClr>
-    </dgm:fillClrLst>
-    <dgm:linClrLst meth="repeat">
-      <a:schemeClr val="accent2">
-        <a:alpha val="90000"/>
-        <a:tint val="40000"/>
-      </a:schemeClr>
-    </dgm:linClrLst>
-    <dgm:effectClrLst/>
-    <dgm:txLinClrLst/>
-    <dgm:txFillClrLst meth="repeat">
-      <a:schemeClr val="dk1"/>
-    </dgm:txFillClrLst>
-    <dgm:txEffectClrLst/>
-  </dgm:styleLbl>
-  <dgm:styleLbl name="fgAcc0">
-    <dgm:fillClrLst meth="repeat">
-      <a:schemeClr val="lt1">
-        <a:alpha val="90000"/>
-      </a:schemeClr>
-    </dgm:fillClrLst>
-    <dgm:linClrLst meth="repeat">
-      <a:schemeClr val="accent2"/>
-    </dgm:linClrLst>
-    <dgm:effectClrLst/>
-    <dgm:txLinClrLst/>
-    <dgm:txFillClrLst meth="repeat">
-      <a:schemeClr val="dk1"/>
-    </dgm:txFillClrLst>
-    <dgm:txEffectClrLst/>
-  </dgm:styleLbl>
-  <dgm:styleLbl name="fgAcc2">
-    <dgm:fillClrLst meth="repeat">
-      <a:schemeClr val="lt1">
-        <a:alpha val="90000"/>
-      </a:schemeClr>
-    </dgm:fillClrLst>
-    <dgm:linClrLst meth="repeat">
-      <a:schemeClr val="accent2"/>
-    </dgm:linClrLst>
-    <dgm:effectClrLst/>
-    <dgm:txLinClrLst/>
-    <dgm:txFillClrLst meth="repeat">
-      <a:schemeClr val="dk1"/>
-    </dgm:txFillClrLst>
-    <dgm:txEffectClrLst/>
-  </dgm:styleLbl>
-  <dgm:styleLbl name="fgAcc3">
-    <dgm:fillClrLst meth="repeat">
-      <a:schemeClr val="lt1">
-        <a:alpha val="90000"/>
-      </a:schemeClr>
-    </dgm:fillClrLst>
-    <dgm:linClrLst meth="repeat">
-      <a:schemeClr val="accent2"/>
-    </dgm:linClrLst>
-    <dgm:effectClrLst/>
-    <dgm:txLinClrLst/>
-    <dgm:txFillClrLst meth="repeat">
-      <a:schemeClr val="dk1"/>
-    </dgm:txFillClrLst>
-    <dgm:txEffectClrLst/>
-  </dgm:styleLbl>
-  <dgm:styleLbl name="fgAcc4">
-    <dgm:fillClrLst meth="repeat">
-      <a:schemeClr val="lt1">
-        <a:alpha val="90000"/>
-      </a:schemeClr>
-    </dgm:fillClrLst>
-    <dgm:linClrLst meth="repeat">
-      <a:schemeClr val="accent2"/>
-    </dgm:linClrLst>
-    <dgm:effectClrLst/>
-    <dgm:txLinClrLst/>
-    <dgm:txFillClrLst meth="repeat">
-      <a:schemeClr val="dk1"/>
-    </dgm:txFillClrLst>
-    <dgm:txEffectClrLst/>
-  </dgm:styleLbl>
-  <dgm:styleLbl name="bgShp">
-    <dgm:fillClrLst meth="repeat">
-      <a:schemeClr val="accent2">
-        <a:tint val="40000"/>
-      </a:schemeClr>
-    </dgm:fillClrLst>
-    <dgm:linClrLst meth="repeat">
-      <a:schemeClr val="accent2"/>
-    </dgm:linClrLst>
-    <dgm:effectClrLst/>
-    <dgm:txLinClrLst/>
-    <dgm:txFillClrLst meth="repeat">
-      <a:schemeClr val="dk1"/>
-    </dgm:txFillClrLst>
-    <dgm:txEffectClrLst/>
-  </dgm:styleLbl>
-  <dgm:styleLbl name="dkBgShp">
-    <dgm:fillClrLst meth="repeat">
-      <a:schemeClr val="accent2">
-        <a:shade val="80000"/>
-      </a:schemeClr>
-    </dgm:fillClrLst>
-    <dgm:linClrLst meth="repeat">
-      <a:schemeClr val="accent2"/>
-    </dgm:linClrLst>
-    <dgm:effectClrLst/>
-    <dgm:txLinClrLst/>
-    <dgm:txFillClrLst meth="repeat">
-      <a:schemeClr val="lt1"/>
-    </dgm:txFillClrLst>
-    <dgm:txEffectClrLst/>
-  </dgm:styleLbl>
-  <dgm:styleLbl name="trBgShp">
-    <dgm:fillClrLst meth="repeat">
-      <a:schemeClr val="accent2">
-        <a:tint val="50000"/>
-        <a:alpha val="40000"/>
-      </a:schemeClr>
-    </dgm:fillClrLst>
-    <dgm:linClrLst meth="repeat">
-      <a:schemeClr val="accent2"/>
-    </dgm:linClrLst>
-    <dgm:effectClrLst/>
-    <dgm:txLinClrLst/>
-    <dgm:txFillClrLst meth="repeat">
-      <a:schemeClr val="lt1"/>
-    </dgm:txFillClrLst>
-    <dgm:txEffectClrLst/>
-  </dgm:styleLbl>
-  <dgm:styleLbl name="fgShp">
-    <dgm:fillClrLst meth="repeat">
-      <a:schemeClr val="accent2">
-        <a:tint val="60000"/>
-      </a:schemeClr>
-    </dgm:fillClrLst>
-    <dgm:linClrLst meth="repeat">
-      <a:schemeClr val="lt1"/>
-    </dgm:linClrLst>
-    <dgm:effectClrLst/>
-    <dgm:txLinClrLst/>
-    <dgm:txFillClrLst meth="repeat">
-      <a:schemeClr val="dk1"/>
-    </dgm:txFillClrLst>
-    <dgm:txEffectClrLst/>
-  </dgm:styleLbl>
-  <dgm:styleLbl name="revTx">
-    <dgm:fillClrLst meth="repeat">
-      <a:schemeClr val="lt1">
-        <a:alpha val="0"/>
-      </a:schemeClr>
-    </dgm:fillClrLst>
-    <dgm:linClrLst meth="repeat">
-      <a:schemeClr val="dk1">
-        <a:alpha val="0"/>
-      </a:schemeClr>
-    </dgm:linClrLst>
-    <dgm:effectClrLst/>
-    <dgm:txLinClrLst/>
-    <dgm:txFillClrLst meth="repeat">
-      <a:schemeClr val="tx1"/>
-    </dgm:txFillClrLst>
-    <dgm:txEffectClrLst/>
-  </dgm:styleLbl>
-</dgm:colorsDef>
-</file>
-
-<file path=ppt/diagrams/colors3.xml><?xml version="1.0" encoding="utf-8"?>
 <dgm:colorsDef xmlns:dgm="http://schemas.openxmlformats.org/drawingml/2006/diagram" xmlns:a="http://schemas.openxmlformats.org/drawingml/2006/main" uniqueId="urn:microsoft.com/office/officeart/2005/8/colors/accent1_2">
   <dgm:title val=""/>
   <dgm:desc val=""/>
@@ -2426,224 +1678,6 @@
 <file path=ppt/diagrams/data1.xml><?xml version="1.0" encoding="utf-8"?>
 <dgm:dataModel xmlns:dgm="http://schemas.openxmlformats.org/drawingml/2006/diagram" xmlns:a="http://schemas.openxmlformats.org/drawingml/2006/main">
   <dgm:ptLst>
-    <dgm:pt modelId="{4A306D68-5806-4FB6-9BD3-77D3F9AFFCFD}" type="doc">
-      <dgm:prSet loTypeId="urn:microsoft.com/office/officeart/2018/2/layout/IconLabelList" loCatId="icon" qsTypeId="urn:microsoft.com/office/officeart/2005/8/quickstyle/simple1" qsCatId="simple" csTypeId="urn:microsoft.com/office/officeart/2005/8/colors/accent2_2" csCatId="accent2" phldr="1"/>
-      <dgm:spPr/>
-      <dgm:t>
-        <a:bodyPr/>
-        <a:lstStyle/>
-        <a:p>
-          <a:endParaRPr lang="en-US"/>
-        </a:p>
-      </dgm:t>
-    </dgm:pt>
-    <dgm:pt modelId="{EF5B0C9B-9525-426C-A827-C1E02B5FC513}">
-      <dgm:prSet/>
-      <dgm:spPr/>
-      <dgm:t>
-        <a:bodyPr/>
-        <a:lstStyle/>
-        <a:p>
-          <a:r>
-            <a:rPr lang="en-US" b="0" i="0" baseline="0"/>
-            <a:t>TA Introductions</a:t>
-          </a:r>
-          <a:endParaRPr lang="en-US"/>
-        </a:p>
-      </dgm:t>
-    </dgm:pt>
-    <dgm:pt modelId="{05355805-232F-47CF-BA28-D4B625574F40}" type="parTrans" cxnId="{3E4D250D-9007-44A2-88FD-81A065C66BC8}">
-      <dgm:prSet/>
-      <dgm:spPr/>
-      <dgm:t>
-        <a:bodyPr/>
-        <a:lstStyle/>
-        <a:p>
-          <a:endParaRPr lang="en-US"/>
-        </a:p>
-      </dgm:t>
-    </dgm:pt>
-    <dgm:pt modelId="{A878E108-C61D-43E5-8A43-DF4360BE1FE8}" type="sibTrans" cxnId="{3E4D250D-9007-44A2-88FD-81A065C66BC8}">
-      <dgm:prSet/>
-      <dgm:spPr/>
-      <dgm:t>
-        <a:bodyPr/>
-        <a:lstStyle/>
-        <a:p>
-          <a:endParaRPr lang="en-US"/>
-        </a:p>
-      </dgm:t>
-    </dgm:pt>
-    <dgm:pt modelId="{E92C1DC8-2207-4B1E-8D1E-1F45B4F3C888}">
-      <dgm:prSet/>
-      <dgm:spPr/>
-      <dgm:t>
-        <a:bodyPr/>
-        <a:lstStyle/>
-        <a:p>
-          <a:r>
-            <a:rPr lang="en-US" b="0" i="0" baseline="0"/>
-            <a:t>Expectations</a:t>
-          </a:r>
-          <a:endParaRPr lang="en-US"/>
-        </a:p>
-      </dgm:t>
-    </dgm:pt>
-    <dgm:pt modelId="{37916A46-F990-449B-9CCB-9A90544449B0}" type="parTrans" cxnId="{EFE20C13-CF23-46D0-985D-13EF8597BA22}">
-      <dgm:prSet/>
-      <dgm:spPr/>
-      <dgm:t>
-        <a:bodyPr/>
-        <a:lstStyle/>
-        <a:p>
-          <a:endParaRPr lang="en-US"/>
-        </a:p>
-      </dgm:t>
-    </dgm:pt>
-    <dgm:pt modelId="{D4AED0DA-A82F-4452-AE86-131B76BC6756}" type="sibTrans" cxnId="{EFE20C13-CF23-46D0-985D-13EF8597BA22}">
-      <dgm:prSet/>
-      <dgm:spPr/>
-      <dgm:t>
-        <a:bodyPr/>
-        <a:lstStyle/>
-        <a:p>
-          <a:endParaRPr lang="en-US"/>
-        </a:p>
-      </dgm:t>
-    </dgm:pt>
-    <dgm:pt modelId="{A4339031-2DA9-41A9-8754-2FE4D20329DE}" type="pres">
-      <dgm:prSet presAssocID="{4A306D68-5806-4FB6-9BD3-77D3F9AFFCFD}" presName="root" presStyleCnt="0">
-        <dgm:presLayoutVars>
-          <dgm:dir/>
-          <dgm:resizeHandles val="exact"/>
-        </dgm:presLayoutVars>
-      </dgm:prSet>
-      <dgm:spPr/>
-    </dgm:pt>
-    <dgm:pt modelId="{2102CBCB-B49C-458C-918D-5FD5B5DC98A0}" type="pres">
-      <dgm:prSet presAssocID="{EF5B0C9B-9525-426C-A827-C1E02B5FC513}" presName="compNode" presStyleCnt="0"/>
-      <dgm:spPr/>
-    </dgm:pt>
-    <dgm:pt modelId="{71FBE113-A4C4-41D4-8056-8EBEACC0D9C9}" type="pres">
-      <dgm:prSet presAssocID="{EF5B0C9B-9525-426C-A827-C1E02B5FC513}" presName="iconRect" presStyleLbl="node1" presStyleIdx="0" presStyleCnt="2"/>
-      <dgm:spPr>
-        <a:blipFill>
-          <a:blip xmlns:r="http://schemas.openxmlformats.org/officeDocument/2006/relationships" r:embed="rId1">
-            <a:extLst>
-              <a:ext uri="{28A0092B-C50C-407E-A947-70E740481C1C}">
-                <a14:useLocalDpi xmlns:a14="http://schemas.microsoft.com/office/drawing/2010/main" val="0"/>
-              </a:ext>
-              <a:ext uri="{96DAC541-7B7A-43D3-8B79-37D633B846F1}">
-                <asvg:svgBlip xmlns:asvg="http://schemas.microsoft.com/office/drawing/2016/SVG/main" r:embed="rId2"/>
-              </a:ext>
-            </a:extLst>
-          </a:blip>
-          <a:stretch>
-            <a:fillRect/>
-          </a:stretch>
-        </a:blipFill>
-        <a:ln>
-          <a:noFill/>
-        </a:ln>
-      </dgm:spPr>
-      <dgm:extLst>
-        <a:ext uri="{E40237B7-FDA0-4F09-8148-C483321AD2D9}">
-          <dgm14:cNvPr xmlns:dgm14="http://schemas.microsoft.com/office/drawing/2010/diagram" id="0" name="" descr="Handshake"/>
-        </a:ext>
-      </dgm:extLst>
-    </dgm:pt>
-    <dgm:pt modelId="{BB356D7E-161B-4617-AF36-8A2EA6AB2F75}" type="pres">
-      <dgm:prSet presAssocID="{EF5B0C9B-9525-426C-A827-C1E02B5FC513}" presName="spaceRect" presStyleCnt="0"/>
-      <dgm:spPr/>
-    </dgm:pt>
-    <dgm:pt modelId="{642AF476-8565-4B21-B687-B5C8EDFC35F5}" type="pres">
-      <dgm:prSet presAssocID="{EF5B0C9B-9525-426C-A827-C1E02B5FC513}" presName="textRect" presStyleLbl="revTx" presStyleIdx="0" presStyleCnt="2">
-        <dgm:presLayoutVars>
-          <dgm:chMax val="1"/>
-          <dgm:chPref val="1"/>
-        </dgm:presLayoutVars>
-      </dgm:prSet>
-      <dgm:spPr/>
-    </dgm:pt>
-    <dgm:pt modelId="{D563CFBC-B382-4C74-9E75-021D5ADBE448}" type="pres">
-      <dgm:prSet presAssocID="{A878E108-C61D-43E5-8A43-DF4360BE1FE8}" presName="sibTrans" presStyleCnt="0"/>
-      <dgm:spPr/>
-    </dgm:pt>
-    <dgm:pt modelId="{9A30F037-1B0F-40CB-BFC9-48CFEC923DE7}" type="pres">
-      <dgm:prSet presAssocID="{E92C1DC8-2207-4B1E-8D1E-1F45B4F3C888}" presName="compNode" presStyleCnt="0"/>
-      <dgm:spPr/>
-    </dgm:pt>
-    <dgm:pt modelId="{D9490415-622B-4773-9DEA-0205E8083A47}" type="pres">
-      <dgm:prSet presAssocID="{E92C1DC8-2207-4B1E-8D1E-1F45B4F3C888}" presName="iconRect" presStyleLbl="node1" presStyleIdx="1" presStyleCnt="2"/>
-      <dgm:spPr>
-        <a:blipFill>
-          <a:blip xmlns:r="http://schemas.openxmlformats.org/officeDocument/2006/relationships" r:embed="rId3">
-            <a:extLst>
-              <a:ext uri="{28A0092B-C50C-407E-A947-70E740481C1C}">
-                <a14:useLocalDpi xmlns:a14="http://schemas.microsoft.com/office/drawing/2010/main" val="0"/>
-              </a:ext>
-              <a:ext uri="{96DAC541-7B7A-43D3-8B79-37D633B846F1}">
-                <asvg:svgBlip xmlns:asvg="http://schemas.microsoft.com/office/drawing/2016/SVG/main" r:embed="rId4"/>
-              </a:ext>
-            </a:extLst>
-          </a:blip>
-          <a:stretch>
-            <a:fillRect/>
-          </a:stretch>
-        </a:blipFill>
-        <a:ln>
-          <a:noFill/>
-        </a:ln>
-      </dgm:spPr>
-      <dgm:extLst>
-        <a:ext uri="{E40237B7-FDA0-4F09-8148-C483321AD2D9}">
-          <dgm14:cNvPr xmlns:dgm14="http://schemas.microsoft.com/office/drawing/2010/diagram" id="0" name="" descr="Check List"/>
-        </a:ext>
-      </dgm:extLst>
-    </dgm:pt>
-    <dgm:pt modelId="{3D4E507B-6455-4EBA-8E28-6CB8C5BE1F2A}" type="pres">
-      <dgm:prSet presAssocID="{E92C1DC8-2207-4B1E-8D1E-1F45B4F3C888}" presName="spaceRect" presStyleCnt="0"/>
-      <dgm:spPr/>
-    </dgm:pt>
-    <dgm:pt modelId="{F261F5AE-9E4C-4E64-A4FC-931DA525F341}" type="pres">
-      <dgm:prSet presAssocID="{E92C1DC8-2207-4B1E-8D1E-1F45B4F3C888}" presName="textRect" presStyleLbl="revTx" presStyleIdx="1" presStyleCnt="2">
-        <dgm:presLayoutVars>
-          <dgm:chMax val="1"/>
-          <dgm:chPref val="1"/>
-        </dgm:presLayoutVars>
-      </dgm:prSet>
-      <dgm:spPr/>
-    </dgm:pt>
-  </dgm:ptLst>
-  <dgm:cxnLst>
-    <dgm:cxn modelId="{3E4D250D-9007-44A2-88FD-81A065C66BC8}" srcId="{4A306D68-5806-4FB6-9BD3-77D3F9AFFCFD}" destId="{EF5B0C9B-9525-426C-A827-C1E02B5FC513}" srcOrd="0" destOrd="0" parTransId="{05355805-232F-47CF-BA28-D4B625574F40}" sibTransId="{A878E108-C61D-43E5-8A43-DF4360BE1FE8}"/>
-    <dgm:cxn modelId="{EFE20C13-CF23-46D0-985D-13EF8597BA22}" srcId="{4A306D68-5806-4FB6-9BD3-77D3F9AFFCFD}" destId="{E92C1DC8-2207-4B1E-8D1E-1F45B4F3C888}" srcOrd="1" destOrd="0" parTransId="{37916A46-F990-449B-9CCB-9A90544449B0}" sibTransId="{D4AED0DA-A82F-4452-AE86-131B76BC6756}"/>
-    <dgm:cxn modelId="{68D9743D-8A8A-49CB-89E3-13299326A7B1}" type="presOf" srcId="{E92C1DC8-2207-4B1E-8D1E-1F45B4F3C888}" destId="{F261F5AE-9E4C-4E64-A4FC-931DA525F341}" srcOrd="0" destOrd="0" presId="urn:microsoft.com/office/officeart/2018/2/layout/IconLabelList"/>
-    <dgm:cxn modelId="{E9E82E9B-4367-4017-8D55-1CA6D0DFDEA6}" type="presOf" srcId="{4A306D68-5806-4FB6-9BD3-77D3F9AFFCFD}" destId="{A4339031-2DA9-41A9-8754-2FE4D20329DE}" srcOrd="0" destOrd="0" presId="urn:microsoft.com/office/officeart/2018/2/layout/IconLabelList"/>
-    <dgm:cxn modelId="{3E7ED3EB-03DD-497F-9C55-8B0FD862491A}" type="presOf" srcId="{EF5B0C9B-9525-426C-A827-C1E02B5FC513}" destId="{642AF476-8565-4B21-B687-B5C8EDFC35F5}" srcOrd="0" destOrd="0" presId="urn:microsoft.com/office/officeart/2018/2/layout/IconLabelList"/>
-    <dgm:cxn modelId="{6B867205-C502-4669-B906-56F9D51606AE}" type="presParOf" srcId="{A4339031-2DA9-41A9-8754-2FE4D20329DE}" destId="{2102CBCB-B49C-458C-918D-5FD5B5DC98A0}" srcOrd="0" destOrd="0" presId="urn:microsoft.com/office/officeart/2018/2/layout/IconLabelList"/>
-    <dgm:cxn modelId="{90EEE591-1F62-4517-81C3-914BE39DC1B8}" type="presParOf" srcId="{2102CBCB-B49C-458C-918D-5FD5B5DC98A0}" destId="{71FBE113-A4C4-41D4-8056-8EBEACC0D9C9}" srcOrd="0" destOrd="0" presId="urn:microsoft.com/office/officeart/2018/2/layout/IconLabelList"/>
-    <dgm:cxn modelId="{BDFBBAF8-9BDF-4579-92DD-57BDE94095A2}" type="presParOf" srcId="{2102CBCB-B49C-458C-918D-5FD5B5DC98A0}" destId="{BB356D7E-161B-4617-AF36-8A2EA6AB2F75}" srcOrd="1" destOrd="0" presId="urn:microsoft.com/office/officeart/2018/2/layout/IconLabelList"/>
-    <dgm:cxn modelId="{00D012C8-4F1C-4B59-A03C-412C57A5C00A}" type="presParOf" srcId="{2102CBCB-B49C-458C-918D-5FD5B5DC98A0}" destId="{642AF476-8565-4B21-B687-B5C8EDFC35F5}" srcOrd="2" destOrd="0" presId="urn:microsoft.com/office/officeart/2018/2/layout/IconLabelList"/>
-    <dgm:cxn modelId="{81124F75-EB52-4F1A-A132-4F18558C9FD8}" type="presParOf" srcId="{A4339031-2DA9-41A9-8754-2FE4D20329DE}" destId="{D563CFBC-B382-4C74-9E75-021D5ADBE448}" srcOrd="1" destOrd="0" presId="urn:microsoft.com/office/officeart/2018/2/layout/IconLabelList"/>
-    <dgm:cxn modelId="{CBDCA1D9-8922-47FD-B01F-D86988C592DA}" type="presParOf" srcId="{A4339031-2DA9-41A9-8754-2FE4D20329DE}" destId="{9A30F037-1B0F-40CB-BFC9-48CFEC923DE7}" srcOrd="2" destOrd="0" presId="urn:microsoft.com/office/officeart/2018/2/layout/IconLabelList"/>
-    <dgm:cxn modelId="{A9ADEE26-D928-4B4D-8B80-9D2FFBAA1708}" type="presParOf" srcId="{9A30F037-1B0F-40CB-BFC9-48CFEC923DE7}" destId="{D9490415-622B-4773-9DEA-0205E8083A47}" srcOrd="0" destOrd="0" presId="urn:microsoft.com/office/officeart/2018/2/layout/IconLabelList"/>
-    <dgm:cxn modelId="{3B5B7A53-C8A5-4A4E-AA09-96E2D99EB7D1}" type="presParOf" srcId="{9A30F037-1B0F-40CB-BFC9-48CFEC923DE7}" destId="{3D4E507B-6455-4EBA-8E28-6CB8C5BE1F2A}" srcOrd="1" destOrd="0" presId="urn:microsoft.com/office/officeart/2018/2/layout/IconLabelList"/>
-    <dgm:cxn modelId="{B2A3D023-189A-41B7-ABBF-6D3C5CC4EE97}" type="presParOf" srcId="{9A30F037-1B0F-40CB-BFC9-48CFEC923DE7}" destId="{F261F5AE-9E4C-4E64-A4FC-931DA525F341}" srcOrd="2" destOrd="0" presId="urn:microsoft.com/office/officeart/2018/2/layout/IconLabelList"/>
-  </dgm:cxnLst>
-  <dgm:bg/>
-  <dgm:whole/>
-  <dgm:extLst>
-    <a:ext uri="http://schemas.microsoft.com/office/drawing/2008/diagram">
-      <dsp:dataModelExt xmlns:dsp="http://schemas.microsoft.com/office/drawing/2008/diagram" relId="rId6" minVer="http://schemas.openxmlformats.org/drawingml/2006/diagram"/>
-    </a:ext>
-  </dgm:extLst>
-</dgm:dataModel>
-</file>
-
-<file path=ppt/diagrams/data2.xml><?xml version="1.0" encoding="utf-8"?>
-<dgm:dataModel xmlns:dgm="http://schemas.openxmlformats.org/drawingml/2006/diagram" xmlns:a="http://schemas.openxmlformats.org/drawingml/2006/main">
-  <dgm:ptLst>
     <dgm:pt modelId="{E2D2E635-0755-452C-9D6A-B51E3140490C}" type="doc">
       <dgm:prSet loTypeId="urn:microsoft.com/office/officeart/2018/5/layout/CenteredIconLabelDescriptionList" loCatId="icon" qsTypeId="urn:microsoft.com/office/officeart/2005/8/quickstyle/simple1" qsCatId="simple" csTypeId="urn:microsoft.com/office/officeart/2005/8/colors/accent2_2" csCatId="accent2" phldr="1"/>
       <dgm:spPr/>
@@ -3075,7 +2109,7 @@
 </dgm:dataModel>
 </file>
 
-<file path=ppt/diagrams/data3.xml><?xml version="1.0" encoding="utf-8"?>
+<file path=ppt/diagrams/data2.xml><?xml version="1.0" encoding="utf-8"?>
 <dgm:dataModel xmlns:dgm="http://schemas.openxmlformats.org/drawingml/2006/diagram" xmlns:a="http://schemas.openxmlformats.org/drawingml/2006/main">
   <dgm:ptLst>
     <dgm:pt modelId="{C12FB8CB-283F-4F42-AEA4-ED832AE248D3}" type="doc">
@@ -3492,240 +2526,6 @@
 </file>
 
 <file path=ppt/diagrams/drawing1.xml><?xml version="1.0" encoding="utf-8"?>
-<dsp:drawing xmlns:dgm="http://schemas.openxmlformats.org/drawingml/2006/diagram" xmlns:dsp="http://schemas.microsoft.com/office/drawing/2008/diagram" xmlns:a="http://schemas.openxmlformats.org/drawingml/2006/main">
-  <dsp:spTree>
-    <dsp:nvGrpSpPr>
-      <dsp:cNvPr id="0" name=""/>
-      <dsp:cNvGrpSpPr/>
-    </dsp:nvGrpSpPr>
-    <dsp:grpSpPr/>
-    <dsp:sp modelId="{71FBE113-A4C4-41D4-8056-8EBEACC0D9C9}">
-      <dsp:nvSpPr>
-        <dsp:cNvPr id="0" name=""/>
-        <dsp:cNvSpPr/>
-      </dsp:nvSpPr>
-      <dsp:spPr>
-        <a:xfrm>
-          <a:off x="2123357" y="660175"/>
-          <a:ext cx="1944000" cy="1944000"/>
-        </a:xfrm>
-        <a:prstGeom prst="rect">
-          <a:avLst/>
-        </a:prstGeom>
-        <a:blipFill>
-          <a:blip xmlns:r="http://schemas.openxmlformats.org/officeDocument/2006/relationships" r:embed="rId1">
-            <a:extLst>
-              <a:ext uri="{28A0092B-C50C-407E-A947-70E740481C1C}">
-                <a14:useLocalDpi xmlns:a14="http://schemas.microsoft.com/office/drawing/2010/main" val="0"/>
-              </a:ext>
-              <a:ext uri="{96DAC541-7B7A-43D3-8B79-37D633B846F1}">
-                <asvg:svgBlip xmlns:asvg="http://schemas.microsoft.com/office/drawing/2016/SVG/main" r:embed="rId2"/>
-              </a:ext>
-            </a:extLst>
-          </a:blip>
-          <a:stretch>
-            <a:fillRect/>
-          </a:stretch>
-        </a:blipFill>
-        <a:ln w="12700" cap="flat" cmpd="sng" algn="ctr">
-          <a:noFill/>
-          <a:prstDash val="solid"/>
-          <a:miter lim="800000"/>
-        </a:ln>
-        <a:effectLst/>
-      </dsp:spPr>
-      <dsp:style>
-        <a:lnRef idx="2">
-          <a:scrgbClr r="0" g="0" b="0"/>
-        </a:lnRef>
-        <a:fillRef idx="1">
-          <a:scrgbClr r="0" g="0" b="0"/>
-        </a:fillRef>
-        <a:effectRef idx="0">
-          <a:scrgbClr r="0" g="0" b="0"/>
-        </a:effectRef>
-        <a:fontRef idx="minor">
-          <a:schemeClr val="lt1"/>
-        </a:fontRef>
-      </dsp:style>
-    </dsp:sp>
-    <dsp:sp modelId="{642AF476-8565-4B21-B687-B5C8EDFC35F5}">
-      <dsp:nvSpPr>
-        <dsp:cNvPr id="0" name=""/>
-        <dsp:cNvSpPr/>
-      </dsp:nvSpPr>
-      <dsp:spPr>
-        <a:xfrm>
-          <a:off x="935357" y="3074530"/>
-          <a:ext cx="4320000" cy="720000"/>
-        </a:xfrm>
-        <a:prstGeom prst="rect">
-          <a:avLst/>
-        </a:prstGeom>
-        <a:noFill/>
-        <a:ln>
-          <a:noFill/>
-        </a:ln>
-        <a:effectLst/>
-      </dsp:spPr>
-      <dsp:style>
-        <a:lnRef idx="0">
-          <a:scrgbClr r="0" g="0" b="0"/>
-        </a:lnRef>
-        <a:fillRef idx="0">
-          <a:scrgbClr r="0" g="0" b="0"/>
-        </a:fillRef>
-        <a:effectRef idx="0">
-          <a:scrgbClr r="0" g="0" b="0"/>
-        </a:effectRef>
-        <a:fontRef idx="minor"/>
-      </dsp:style>
-      <dsp:txBody>
-        <a:bodyPr spcFirstLastPara="0" vert="horz" wrap="square" lIns="0" tIns="0" rIns="0" bIns="0" numCol="1" spcCol="1270" anchor="t" anchorCtr="0">
-          <a:noAutofit/>
-        </a:bodyPr>
-        <a:lstStyle/>
-        <a:p>
-          <a:pPr marL="0" lvl="0" indent="0" algn="ctr" defTabSz="2222500">
-            <a:lnSpc>
-              <a:spcPct val="90000"/>
-            </a:lnSpc>
-            <a:spcBef>
-              <a:spcPct val="0"/>
-            </a:spcBef>
-            <a:spcAft>
-              <a:spcPct val="35000"/>
-            </a:spcAft>
-            <a:buNone/>
-          </a:pPr>
-          <a:r>
-            <a:rPr lang="en-US" sz="5000" b="0" i="0" kern="1200" baseline="0"/>
-            <a:t>TA Introductions</a:t>
-          </a:r>
-          <a:endParaRPr lang="en-US" sz="5000" kern="1200"/>
-        </a:p>
-      </dsp:txBody>
-      <dsp:txXfrm>
-        <a:off x="935357" y="3074530"/>
-        <a:ext cx="4320000" cy="720000"/>
-      </dsp:txXfrm>
-    </dsp:sp>
-    <dsp:sp modelId="{D9490415-622B-4773-9DEA-0205E8083A47}">
-      <dsp:nvSpPr>
-        <dsp:cNvPr id="0" name=""/>
-        <dsp:cNvSpPr/>
-      </dsp:nvSpPr>
-      <dsp:spPr>
-        <a:xfrm>
-          <a:off x="7199357" y="660175"/>
-          <a:ext cx="1944000" cy="1944000"/>
-        </a:xfrm>
-        <a:prstGeom prst="rect">
-          <a:avLst/>
-        </a:prstGeom>
-        <a:blipFill>
-          <a:blip xmlns:r="http://schemas.openxmlformats.org/officeDocument/2006/relationships" r:embed="rId3">
-            <a:extLst>
-              <a:ext uri="{28A0092B-C50C-407E-A947-70E740481C1C}">
-                <a14:useLocalDpi xmlns:a14="http://schemas.microsoft.com/office/drawing/2010/main" val="0"/>
-              </a:ext>
-              <a:ext uri="{96DAC541-7B7A-43D3-8B79-37D633B846F1}">
-                <asvg:svgBlip xmlns:asvg="http://schemas.microsoft.com/office/drawing/2016/SVG/main" r:embed="rId4"/>
-              </a:ext>
-            </a:extLst>
-          </a:blip>
-          <a:stretch>
-            <a:fillRect/>
-          </a:stretch>
-        </a:blipFill>
-        <a:ln w="12700" cap="flat" cmpd="sng" algn="ctr">
-          <a:noFill/>
-          <a:prstDash val="solid"/>
-          <a:miter lim="800000"/>
-        </a:ln>
-        <a:effectLst/>
-      </dsp:spPr>
-      <dsp:style>
-        <a:lnRef idx="2">
-          <a:scrgbClr r="0" g="0" b="0"/>
-        </a:lnRef>
-        <a:fillRef idx="1">
-          <a:scrgbClr r="0" g="0" b="0"/>
-        </a:fillRef>
-        <a:effectRef idx="0">
-          <a:scrgbClr r="0" g="0" b="0"/>
-        </a:effectRef>
-        <a:fontRef idx="minor">
-          <a:schemeClr val="lt1"/>
-        </a:fontRef>
-      </dsp:style>
-    </dsp:sp>
-    <dsp:sp modelId="{F261F5AE-9E4C-4E64-A4FC-931DA525F341}">
-      <dsp:nvSpPr>
-        <dsp:cNvPr id="0" name=""/>
-        <dsp:cNvSpPr/>
-      </dsp:nvSpPr>
-      <dsp:spPr>
-        <a:xfrm>
-          <a:off x="6011357" y="3074530"/>
-          <a:ext cx="4320000" cy="720000"/>
-        </a:xfrm>
-        <a:prstGeom prst="rect">
-          <a:avLst/>
-        </a:prstGeom>
-        <a:noFill/>
-        <a:ln>
-          <a:noFill/>
-        </a:ln>
-        <a:effectLst/>
-      </dsp:spPr>
-      <dsp:style>
-        <a:lnRef idx="0">
-          <a:scrgbClr r="0" g="0" b="0"/>
-        </a:lnRef>
-        <a:fillRef idx="0">
-          <a:scrgbClr r="0" g="0" b="0"/>
-        </a:fillRef>
-        <a:effectRef idx="0">
-          <a:scrgbClr r="0" g="0" b="0"/>
-        </a:effectRef>
-        <a:fontRef idx="minor"/>
-      </dsp:style>
-      <dsp:txBody>
-        <a:bodyPr spcFirstLastPara="0" vert="horz" wrap="square" lIns="0" tIns="0" rIns="0" bIns="0" numCol="1" spcCol="1270" anchor="t" anchorCtr="0">
-          <a:noAutofit/>
-        </a:bodyPr>
-        <a:lstStyle/>
-        <a:p>
-          <a:pPr marL="0" lvl="0" indent="0" algn="ctr" defTabSz="2222500">
-            <a:lnSpc>
-              <a:spcPct val="90000"/>
-            </a:lnSpc>
-            <a:spcBef>
-              <a:spcPct val="0"/>
-            </a:spcBef>
-            <a:spcAft>
-              <a:spcPct val="35000"/>
-            </a:spcAft>
-            <a:buNone/>
-          </a:pPr>
-          <a:r>
-            <a:rPr lang="en-US" sz="5000" b="0" i="0" kern="1200" baseline="0"/>
-            <a:t>Expectations</a:t>
-          </a:r>
-          <a:endParaRPr lang="en-US" sz="5000" kern="1200"/>
-        </a:p>
-      </dsp:txBody>
-      <dsp:txXfrm>
-        <a:off x="6011357" y="3074530"/>
-        <a:ext cx="4320000" cy="720000"/>
-      </dsp:txXfrm>
-    </dsp:sp>
-  </dsp:spTree>
-</dsp:drawing>
-</file>
-
-<file path=ppt/diagrams/drawing2.xml><?xml version="1.0" encoding="utf-8"?>
 <dsp:drawing xmlns:dgm="http://schemas.openxmlformats.org/drawingml/2006/diagram" xmlns:dsp="http://schemas.microsoft.com/office/drawing/2008/diagram" xmlns:a="http://schemas.openxmlformats.org/drawingml/2006/main">
   <dsp:spTree>
     <dsp:nvGrpSpPr>
@@ -4217,7 +3017,7 @@
 </dsp:drawing>
 </file>
 
-<file path=ppt/diagrams/drawing3.xml><?xml version="1.0" encoding="utf-8"?>
+<file path=ppt/diagrams/drawing2.xml><?xml version="1.0" encoding="utf-8"?>
 <dsp:drawing xmlns:dgm="http://schemas.openxmlformats.org/drawingml/2006/diagram" xmlns:dsp="http://schemas.microsoft.com/office/drawing/2008/diagram" xmlns:a="http://schemas.openxmlformats.org/drawingml/2006/main">
   <dsp:spTree>
     <dsp:nvGrpSpPr>
@@ -4834,196 +3634,6 @@
 </file>
 
 <file path=ppt/diagrams/layout1.xml><?xml version="1.0" encoding="utf-8"?>
-<dgm:layoutDef xmlns:dgm="http://schemas.openxmlformats.org/drawingml/2006/diagram" xmlns:a="http://schemas.openxmlformats.org/drawingml/2006/main" uniqueId="urn:microsoft.com/office/officeart/2018/2/layout/IconLabelList">
-  <dgm:title val="Icon Label List"/>
-  <dgm:desc val="Use to show non-sequential or grouped chunks of information accompanied by a related visuals. Works best with icons or small pictures with short text captions."/>
-  <dgm:catLst>
-    <dgm:cat type="icon" pri="500"/>
-  </dgm:catLst>
-  <dgm:sampData useDef="1">
-    <dgm:dataModel>
-      <dgm:ptLst/>
-      <dgm:bg/>
-      <dgm:whole/>
-    </dgm:dataModel>
-  </dgm:sampData>
-  <dgm:styleData useDef="1">
-    <dgm:dataModel>
-      <dgm:ptLst/>
-      <dgm:bg/>
-      <dgm:whole/>
-    </dgm:dataModel>
-  </dgm:styleData>
-  <dgm:clrData useDef="1">
-    <dgm:dataModel>
-      <dgm:ptLst/>
-      <dgm:bg/>
-      <dgm:whole/>
-    </dgm:dataModel>
-  </dgm:clrData>
-  <dgm:layoutNode name="root">
-    <dgm:varLst>
-      <dgm:dir/>
-      <dgm:resizeHandles val="exact"/>
-    </dgm:varLst>
-    <dgm:choose name="Name0">
-      <dgm:if name="Name1" axis="self" func="var" arg="dir" op="equ" val="norm">
-        <dgm:alg type="snake">
-          <dgm:param type="grDir" val="tL"/>
-          <dgm:param type="flowDir" val="row"/>
-          <dgm:param type="contDir" val="sameDir"/>
-          <dgm:param type="off" val="ctr"/>
-          <dgm:param type="vertAlign" val="mid"/>
-          <dgm:param type="horzAlign" val="ctr"/>
-        </dgm:alg>
-      </dgm:if>
-      <dgm:else name="Name2">
-        <dgm:alg type="snake">
-          <dgm:param type="grDir" val="tR"/>
-          <dgm:param type="flowDir" val="row"/>
-          <dgm:param type="contDir" val="sameDir"/>
-          <dgm:param type="off" val="ctr"/>
-          <dgm:param type="vertAlign" val="mid"/>
-          <dgm:param type="horzAlign" val="ctr"/>
-        </dgm:alg>
-      </dgm:else>
-    </dgm:choose>
-    <dgm:shape xmlns:r="http://schemas.openxmlformats.org/officeDocument/2006/relationships" r:blip="">
-      <dgm:adjLst/>
-    </dgm:shape>
-    <dgm:presOf/>
-    <dgm:choose name="Name3">
-      <dgm:if name="Name4" axis="ch" ptType="node" func="cnt" op="lte" val="2">
-        <dgm:constrLst>
-          <dgm:constr type="h" for="ch" forName="compNode" refType="h" fact="0.4"/>
-          <dgm:constr type="w" for="ch" forName="compNode" val="120"/>
-          <dgm:constr type="w" for="ch" forName="sibTrans" refType="w" refFor="ch" refForName="compNode" fact="0.175"/>
-          <dgm:constr type="sp" refType="w" refFor="ch" refForName="compNode" op="equ" fact="0.25"/>
-          <dgm:constr type="primFontSz" for="des" ptType="node" op="equ" val="50"/>
-          <dgm:constr type="h" for="des" forName="compNode" op="equ"/>
-          <dgm:constr type="h" for="des" forName="textRect" op="equ"/>
-        </dgm:constrLst>
-      </dgm:if>
-      <dgm:if name="Name5" axis="ch" ptType="node" func="cnt" op="lte" val="4">
-        <dgm:constrLst>
-          <dgm:constr type="h" for="ch" forName="compNode" refType="h" fact="0.4"/>
-          <dgm:constr type="w" for="ch" forName="compNode" refType="w"/>
-          <dgm:constr type="w" for="ch" forName="sibTrans" refType="w" refFor="ch" refForName="compNode" fact="0.175"/>
-          <dgm:constr type="sp" refType="w" refFor="ch" refForName="compNode" op="equ" fact="0.25"/>
-          <dgm:constr type="primFontSz" for="des" ptType="node" op="equ" val="36"/>
-          <dgm:constr type="h" for="des" forName="compNode" op="equ"/>
-          <dgm:constr type="h" for="des" forName="textRect" op="equ"/>
-        </dgm:constrLst>
-      </dgm:if>
-      <dgm:else name="Name6">
-        <dgm:constrLst>
-          <dgm:constr type="h" for="ch" forName="compNode" refType="h" fact="0.4"/>
-          <dgm:constr type="w" for="ch" forName="compNode" refType="w"/>
-          <dgm:constr type="w" for="ch" forName="sibTrans" refType="w" refFor="ch" refForName="compNode" fact="0.175"/>
-          <dgm:constr type="sp" refType="w" refFor="ch" refForName="compNode" op="equ" fact="0.25"/>
-          <dgm:constr type="primFontSz" for="des" ptType="node" op="equ" val="24"/>
-          <dgm:constr type="h" for="des" forName="compNode" op="equ"/>
-          <dgm:constr type="h" for="des" forName="textRect" op="equ"/>
-        </dgm:constrLst>
-      </dgm:else>
-    </dgm:choose>
-    <dgm:ruleLst>
-      <dgm:rule type="w" for="ch" forName="compNode" val="50" fact="NaN" max="NaN"/>
-    </dgm:ruleLst>
-    <dgm:forEach name="Name7" axis="ch" ptType="node">
-      <dgm:layoutNode name="compNode">
-        <dgm:alg type="composite"/>
-        <dgm:shape xmlns:r="http://schemas.openxmlformats.org/officeDocument/2006/relationships" r:blip="">
-          <dgm:adjLst/>
-        </dgm:shape>
-        <dgm:presOf axis="self"/>
-        <dgm:constrLst>
-          <dgm:constr type="w" for="ch" forName="iconRect" refType="w" fact="0.45"/>
-          <dgm:constr type="h" for="ch" forName="iconRect" refType="w" refFor="ch" refForName="iconRect"/>
-          <dgm:constr type="ctrX" for="ch" forName="iconRect" refType="w" fact="0.5"/>
-          <dgm:constr type="t" for="ch" forName="iconRect"/>
-          <dgm:constr type="h" for="ch" forName="spaceRect" refType="h" fact="0.15"/>
-          <dgm:constr type="w" for="ch" forName="spaceRect" refType="w"/>
-          <dgm:constr type="l" for="ch" forName="spaceRect"/>
-          <dgm:constr type="t" for="ch" forName="spaceRect" refType="b" refFor="ch" refForName="iconRect"/>
-          <dgm:constr type="h" for="ch" forName="textRect" val="20"/>
-          <dgm:constr type="w" for="ch" forName="textRect" refType="w"/>
-          <dgm:constr type="l" for="ch" forName="textRect"/>
-          <dgm:constr type="t" for="ch" forName="textRect" refType="b" refFor="ch" refForName="spaceRect"/>
-        </dgm:constrLst>
-        <dgm:ruleLst>
-          <dgm:rule type="h" val="INF" fact="NaN" max="NaN"/>
-        </dgm:ruleLst>
-        <dgm:layoutNode name="iconRect" styleLbl="node1">
-          <dgm:alg type="sp"/>
-          <dgm:shape xmlns:r="http://schemas.openxmlformats.org/officeDocument/2006/relationships" type="rect" r:blip="" blipPhldr="1">
-            <dgm:adjLst/>
-          </dgm:shape>
-          <dgm:presOf/>
-          <dgm:constrLst/>
-          <dgm:ruleLst/>
-        </dgm:layoutNode>
-        <dgm:layoutNode name="spaceRect">
-          <dgm:alg type="sp"/>
-          <dgm:shape xmlns:r="http://schemas.openxmlformats.org/officeDocument/2006/relationships" r:blip="">
-            <dgm:adjLst/>
-          </dgm:shape>
-          <dgm:presOf/>
-          <dgm:constrLst/>
-          <dgm:ruleLst/>
-        </dgm:layoutNode>
-        <dgm:layoutNode name="textRect" styleLbl="revTx">
-          <dgm:varLst>
-            <dgm:chMax val="1"/>
-            <dgm:chPref val="1"/>
-          </dgm:varLst>
-          <dgm:alg type="tx">
-            <dgm:param type="txAnchorVert" val="t"/>
-          </dgm:alg>
-          <dgm:shape xmlns:r="http://schemas.openxmlformats.org/officeDocument/2006/relationships" type="rect" r:blip="">
-            <dgm:adjLst/>
-          </dgm:shape>
-          <dgm:presOf axis="self" ptType="node"/>
-          <dgm:constrLst>
-            <dgm:constr type="lMarg"/>
-            <dgm:constr type="rMarg"/>
-            <dgm:constr type="tMarg"/>
-            <dgm:constr type="bMarg"/>
-          </dgm:constrLst>
-          <dgm:ruleLst>
-            <dgm:rule type="primFontSz" val="11" fact="NaN" max="NaN"/>
-            <dgm:rule type="h" val="INF" fact="NaN" max="NaN"/>
-          </dgm:ruleLst>
-        </dgm:layoutNode>
-      </dgm:layoutNode>
-      <dgm:forEach name="Name8" axis="followSib" ptType="sibTrans" cnt="1">
-        <dgm:layoutNode name="sibTrans">
-          <dgm:alg type="sp"/>
-          <dgm:shape xmlns:r="http://schemas.openxmlformats.org/officeDocument/2006/relationships" r:blip="">
-            <dgm:adjLst/>
-          </dgm:shape>
-          <dgm:presOf axis="self"/>
-          <dgm:constrLst/>
-          <dgm:ruleLst/>
-        </dgm:layoutNode>
-      </dgm:forEach>
-    </dgm:forEach>
-  </dgm:layoutNode>
-  <dgm:extLst>
-    <a:ext uri="{68A01E43-0DF5-4B5B-8FA6-DAF915123BFB}">
-      <dgm1612:lstStyle xmlns:dgm1612="http://schemas.microsoft.com/office/drawing/2016/12/diagram">
-        <a:lvl1pPr>
-          <a:lnSpc>
-            <a:spcPct val="100000"/>
-          </a:lnSpc>
-        </a:lvl1pPr>
-      </dgm1612:lstStyle>
-    </a:ext>
-  </dgm:extLst>
-</dgm:layoutDef>
-</file>
-
-<file path=ppt/diagrams/layout2.xml><?xml version="1.0" encoding="utf-8"?>
 <dgm:layoutDef xmlns:dgm="http://schemas.openxmlformats.org/drawingml/2006/diagram" xmlns:a="http://schemas.openxmlformats.org/drawingml/2006/main" uniqueId="urn:microsoft.com/office/officeart/2018/5/layout/CenteredIconLabelDescriptionList">
   <dgm:title val="Centered Icon Label Description List"/>
   <dgm:desc val="Use to show non-sequential or grouped chunks of information. The placeholder holds an icon or small picture, and corresponding text boxes show Level 1 and Level 2 text respectively. Works well for minimal Level 1 text accompanied by lengthier Level two text."/>
@@ -5224,7 +3834,7 @@
 </dgm:layoutDef>
 </file>
 
-<file path=ppt/diagrams/layout3.xml><?xml version="1.0" encoding="utf-8"?>
+<file path=ppt/diagrams/layout2.xml><?xml version="1.0" encoding="utf-8"?>
 <dgm:layoutDef xmlns:dgm="http://schemas.openxmlformats.org/drawingml/2006/diagram" xmlns:a="http://schemas.openxmlformats.org/drawingml/2006/main" uniqueId="urn:microsoft.com/office/officeart/2018/2/layout/IconVerticalSolidList">
   <dgm:title val="Icon Vertical Solid List"/>
   <dgm:desc val="Use to show a series of visuals from top to bottom with Level 1 or Level 1 and Level 2 text grouped in a shape. Works best with icons or small pictures with lengthier descriptions."/>
@@ -7586,1040 +6196,6 @@
 </dgm:styleDef>
 </file>
 
-<file path=ppt/diagrams/quickStyle3.xml><?xml version="1.0" encoding="utf-8"?>
-<dgm:styleDef xmlns:dgm="http://schemas.openxmlformats.org/drawingml/2006/diagram" xmlns:a="http://schemas.openxmlformats.org/drawingml/2006/main" uniqueId="urn:microsoft.com/office/officeart/2005/8/quickstyle/simple1">
-  <dgm:title val=""/>
-  <dgm:desc val=""/>
-  <dgm:catLst>
-    <dgm:cat type="simple" pri="10100"/>
-  </dgm:catLst>
-  <dgm:scene3d>
-    <a:camera prst="orthographicFront"/>
-    <a:lightRig rig="threePt" dir="t"/>
-  </dgm:scene3d>
-  <dgm:styleLbl name="node0">
-    <dgm:scene3d>
-      <a:camera prst="orthographicFront"/>
-      <a:lightRig rig="threePt" dir="t"/>
-    </dgm:scene3d>
-    <dgm:sp3d/>
-    <dgm:txPr/>
-    <dgm:style>
-      <a:lnRef idx="2">
-        <a:scrgbClr r="0" g="0" b="0"/>
-      </a:lnRef>
-      <a:fillRef idx="1">
-        <a:scrgbClr r="0" g="0" b="0"/>
-      </a:fillRef>
-      <a:effectRef idx="0">
-        <a:scrgbClr r="0" g="0" b="0"/>
-      </a:effectRef>
-      <a:fontRef idx="minor">
-        <a:schemeClr val="lt1"/>
-      </a:fontRef>
-    </dgm:style>
-  </dgm:styleLbl>
-  <dgm:styleLbl name="lnNode1">
-    <dgm:scene3d>
-      <a:camera prst="orthographicFront"/>
-      <a:lightRig rig="threePt" dir="t"/>
-    </dgm:scene3d>
-    <dgm:sp3d/>
-    <dgm:txPr/>
-    <dgm:style>
-      <a:lnRef idx="2">
-        <a:scrgbClr r="0" g="0" b="0"/>
-      </a:lnRef>
-      <a:fillRef idx="1">
-        <a:scrgbClr r="0" g="0" b="0"/>
-      </a:fillRef>
-      <a:effectRef idx="0">
-        <a:scrgbClr r="0" g="0" b="0"/>
-      </a:effectRef>
-      <a:fontRef idx="minor">
-        <a:schemeClr val="lt1"/>
-      </a:fontRef>
-    </dgm:style>
-  </dgm:styleLbl>
-  <dgm:styleLbl name="vennNode1">
-    <dgm:scene3d>
-      <a:camera prst="orthographicFront"/>
-      <a:lightRig rig="threePt" dir="t"/>
-    </dgm:scene3d>
-    <dgm:sp3d/>
-    <dgm:txPr/>
-    <dgm:style>
-      <a:lnRef idx="2">
-        <a:scrgbClr r="0" g="0" b="0"/>
-      </a:lnRef>
-      <a:fillRef idx="1">
-        <a:scrgbClr r="0" g="0" b="0"/>
-      </a:fillRef>
-      <a:effectRef idx="0">
-        <a:scrgbClr r="0" g="0" b="0"/>
-      </a:effectRef>
-      <a:fontRef idx="minor">
-        <a:schemeClr val="tx1"/>
-      </a:fontRef>
-    </dgm:style>
-  </dgm:styleLbl>
-  <dgm:styleLbl name="alignNode1">
-    <dgm:scene3d>
-      <a:camera prst="orthographicFront"/>
-      <a:lightRig rig="threePt" dir="t"/>
-    </dgm:scene3d>
-    <dgm:sp3d/>
-    <dgm:txPr/>
-    <dgm:style>
-      <a:lnRef idx="2">
-        <a:scrgbClr r="0" g="0" b="0"/>
-      </a:lnRef>
-      <a:fillRef idx="1">
-        <a:scrgbClr r="0" g="0" b="0"/>
-      </a:fillRef>
-      <a:effectRef idx="0">
-        <a:scrgbClr r="0" g="0" b="0"/>
-      </a:effectRef>
-      <a:fontRef idx="minor">
-        <a:schemeClr val="lt1"/>
-      </a:fontRef>
-    </dgm:style>
-  </dgm:styleLbl>
-  <dgm:styleLbl name="node1">
-    <dgm:scene3d>
-      <a:camera prst="orthographicFront"/>
-      <a:lightRig rig="threePt" dir="t"/>
-    </dgm:scene3d>
-    <dgm:sp3d/>
-    <dgm:txPr/>
-    <dgm:style>
-      <a:lnRef idx="2">
-        <a:scrgbClr r="0" g="0" b="0"/>
-      </a:lnRef>
-      <a:fillRef idx="1">
-        <a:scrgbClr r="0" g="0" b="0"/>
-      </a:fillRef>
-      <a:effectRef idx="0">
-        <a:scrgbClr r="0" g="0" b="0"/>
-      </a:effectRef>
-      <a:fontRef idx="minor">
-        <a:schemeClr val="lt1"/>
-      </a:fontRef>
-    </dgm:style>
-  </dgm:styleLbl>
-  <dgm:styleLbl name="node2">
-    <dgm:scene3d>
-      <a:camera prst="orthographicFront"/>
-      <a:lightRig rig="threePt" dir="t"/>
-    </dgm:scene3d>
-    <dgm:sp3d/>
-    <dgm:txPr/>
-    <dgm:style>
-      <a:lnRef idx="2">
-        <a:scrgbClr r="0" g="0" b="0"/>
-      </a:lnRef>
-      <a:fillRef idx="1">
-        <a:scrgbClr r="0" g="0" b="0"/>
-      </a:fillRef>
-      <a:effectRef idx="0">
-        <a:scrgbClr r="0" g="0" b="0"/>
-      </a:effectRef>
-      <a:fontRef idx="minor">
-        <a:schemeClr val="lt1"/>
-      </a:fontRef>
-    </dgm:style>
-  </dgm:styleLbl>
-  <dgm:styleLbl name="node3">
-    <dgm:scene3d>
-      <a:camera prst="orthographicFront"/>
-      <a:lightRig rig="threePt" dir="t"/>
-    </dgm:scene3d>
-    <dgm:sp3d/>
-    <dgm:txPr/>
-    <dgm:style>
-      <a:lnRef idx="2">
-        <a:scrgbClr r="0" g="0" b="0"/>
-      </a:lnRef>
-      <a:fillRef idx="1">
-        <a:scrgbClr r="0" g="0" b="0"/>
-      </a:fillRef>
-      <a:effectRef idx="0">
-        <a:scrgbClr r="0" g="0" b="0"/>
-      </a:effectRef>
-      <a:fontRef idx="minor">
-        <a:schemeClr val="lt1"/>
-      </a:fontRef>
-    </dgm:style>
-  </dgm:styleLbl>
-  <dgm:styleLbl name="node4">
-    <dgm:scene3d>
-      <a:camera prst="orthographicFront"/>
-      <a:lightRig rig="threePt" dir="t"/>
-    </dgm:scene3d>
-    <dgm:sp3d/>
-    <dgm:txPr/>
-    <dgm:style>
-      <a:lnRef idx="2">
-        <a:scrgbClr r="0" g="0" b="0"/>
-      </a:lnRef>
-      <a:fillRef idx="1">
-        <a:scrgbClr r="0" g="0" b="0"/>
-      </a:fillRef>
-      <a:effectRef idx="0">
-        <a:scrgbClr r="0" g="0" b="0"/>
-      </a:effectRef>
-      <a:fontRef idx="minor">
-        <a:schemeClr val="lt1"/>
-      </a:fontRef>
-    </dgm:style>
-  </dgm:styleLbl>
-  <dgm:styleLbl name="fgImgPlace1">
-    <dgm:scene3d>
-      <a:camera prst="orthographicFront"/>
-      <a:lightRig rig="threePt" dir="t"/>
-    </dgm:scene3d>
-    <dgm:sp3d/>
-    <dgm:txPr/>
-    <dgm:style>
-      <a:lnRef idx="2">
-        <a:scrgbClr r="0" g="0" b="0"/>
-      </a:lnRef>
-      <a:fillRef idx="1">
-        <a:scrgbClr r="0" g="0" b="0"/>
-      </a:fillRef>
-      <a:effectRef idx="0">
-        <a:scrgbClr r="0" g="0" b="0"/>
-      </a:effectRef>
-      <a:fontRef idx="minor"/>
-    </dgm:style>
-  </dgm:styleLbl>
-  <dgm:styleLbl name="alignImgPlace1">
-    <dgm:scene3d>
-      <a:camera prst="orthographicFront"/>
-      <a:lightRig rig="threePt" dir="t"/>
-    </dgm:scene3d>
-    <dgm:sp3d/>
-    <dgm:txPr/>
-    <dgm:style>
-      <a:lnRef idx="2">
-        <a:scrgbClr r="0" g="0" b="0"/>
-      </a:lnRef>
-      <a:fillRef idx="1">
-        <a:scrgbClr r="0" g="0" b="0"/>
-      </a:fillRef>
-      <a:effectRef idx="0">
-        <a:scrgbClr r="0" g="0" b="0"/>
-      </a:effectRef>
-      <a:fontRef idx="minor"/>
-    </dgm:style>
-  </dgm:styleLbl>
-  <dgm:styleLbl name="bgImgPlace1">
-    <dgm:scene3d>
-      <a:camera prst="orthographicFront"/>
-      <a:lightRig rig="threePt" dir="t"/>
-    </dgm:scene3d>
-    <dgm:sp3d/>
-    <dgm:txPr/>
-    <dgm:style>
-      <a:lnRef idx="2">
-        <a:scrgbClr r="0" g="0" b="0"/>
-      </a:lnRef>
-      <a:fillRef idx="1">
-        <a:scrgbClr r="0" g="0" b="0"/>
-      </a:fillRef>
-      <a:effectRef idx="0">
-        <a:scrgbClr r="0" g="0" b="0"/>
-      </a:effectRef>
-      <a:fontRef idx="minor"/>
-    </dgm:style>
-  </dgm:styleLbl>
-  <dgm:styleLbl name="sibTrans2D1">
-    <dgm:scene3d>
-      <a:camera prst="orthographicFront"/>
-      <a:lightRig rig="threePt" dir="t"/>
-    </dgm:scene3d>
-    <dgm:sp3d/>
-    <dgm:txPr/>
-    <dgm:style>
-      <a:lnRef idx="0">
-        <a:scrgbClr r="0" g="0" b="0"/>
-      </a:lnRef>
-      <a:fillRef idx="1">
-        <a:scrgbClr r="0" g="0" b="0"/>
-      </a:fillRef>
-      <a:effectRef idx="0">
-        <a:scrgbClr r="0" g="0" b="0"/>
-      </a:effectRef>
-      <a:fontRef idx="minor">
-        <a:schemeClr val="lt1"/>
-      </a:fontRef>
-    </dgm:style>
-  </dgm:styleLbl>
-  <dgm:styleLbl name="fgSibTrans2D1">
-    <dgm:scene3d>
-      <a:camera prst="orthographicFront"/>
-      <a:lightRig rig="threePt" dir="t"/>
-    </dgm:scene3d>
-    <dgm:sp3d/>
-    <dgm:txPr/>
-    <dgm:style>
-      <a:lnRef idx="0">
-        <a:scrgbClr r="0" g="0" b="0"/>
-      </a:lnRef>
-      <a:fillRef idx="1">
-        <a:scrgbClr r="0" g="0" b="0"/>
-      </a:fillRef>
-      <a:effectRef idx="0">
-        <a:scrgbClr r="0" g="0" b="0"/>
-      </a:effectRef>
-      <a:fontRef idx="minor">
-        <a:schemeClr val="lt1"/>
-      </a:fontRef>
-    </dgm:style>
-  </dgm:styleLbl>
-  <dgm:styleLbl name="bgSibTrans2D1">
-    <dgm:scene3d>
-      <a:camera prst="orthographicFront"/>
-      <a:lightRig rig="threePt" dir="t"/>
-    </dgm:scene3d>
-    <dgm:sp3d/>
-    <dgm:txPr/>
-    <dgm:style>
-      <a:lnRef idx="0">
-        <a:scrgbClr r="0" g="0" b="0"/>
-      </a:lnRef>
-      <a:fillRef idx="1">
-        <a:scrgbClr r="0" g="0" b="0"/>
-      </a:fillRef>
-      <a:effectRef idx="0">
-        <a:scrgbClr r="0" g="0" b="0"/>
-      </a:effectRef>
-      <a:fontRef idx="minor">
-        <a:schemeClr val="lt1"/>
-      </a:fontRef>
-    </dgm:style>
-  </dgm:styleLbl>
-  <dgm:styleLbl name="sibTrans1D1">
-    <dgm:scene3d>
-      <a:camera prst="orthographicFront"/>
-      <a:lightRig rig="threePt" dir="t"/>
-    </dgm:scene3d>
-    <dgm:sp3d/>
-    <dgm:txPr/>
-    <dgm:style>
-      <a:lnRef idx="1">
-        <a:scrgbClr r="0" g="0" b="0"/>
-      </a:lnRef>
-      <a:fillRef idx="0">
-        <a:scrgbClr r="0" g="0" b="0"/>
-      </a:fillRef>
-      <a:effectRef idx="0">
-        <a:scrgbClr r="0" g="0" b="0"/>
-      </a:effectRef>
-      <a:fontRef idx="minor"/>
-    </dgm:style>
-  </dgm:styleLbl>
-  <dgm:styleLbl name="callout">
-    <dgm:scene3d>
-      <a:camera prst="orthographicFront"/>
-      <a:lightRig rig="threePt" dir="t"/>
-    </dgm:scene3d>
-    <dgm:sp3d/>
-    <dgm:txPr/>
-    <dgm:style>
-      <a:lnRef idx="2">
-        <a:scrgbClr r="0" g="0" b="0"/>
-      </a:lnRef>
-      <a:fillRef idx="1">
-        <a:scrgbClr r="0" g="0" b="0"/>
-      </a:fillRef>
-      <a:effectRef idx="0">
-        <a:scrgbClr r="0" g="0" b="0"/>
-      </a:effectRef>
-      <a:fontRef idx="minor"/>
-    </dgm:style>
-  </dgm:styleLbl>
-  <dgm:styleLbl name="asst0">
-    <dgm:scene3d>
-      <a:camera prst="orthographicFront"/>
-      <a:lightRig rig="threePt" dir="t"/>
-    </dgm:scene3d>
-    <dgm:sp3d/>
-    <dgm:txPr/>
-    <dgm:style>
-      <a:lnRef idx="2">
-        <a:scrgbClr r="0" g="0" b="0"/>
-      </a:lnRef>
-      <a:fillRef idx="1">
-        <a:scrgbClr r="0" g="0" b="0"/>
-      </a:fillRef>
-      <a:effectRef idx="0">
-        <a:scrgbClr r="0" g="0" b="0"/>
-      </a:effectRef>
-      <a:fontRef idx="minor">
-        <a:schemeClr val="lt1"/>
-      </a:fontRef>
-    </dgm:style>
-  </dgm:styleLbl>
-  <dgm:styleLbl name="asst1">
-    <dgm:scene3d>
-      <a:camera prst="orthographicFront"/>
-      <a:lightRig rig="threePt" dir="t"/>
-    </dgm:scene3d>
-    <dgm:sp3d/>
-    <dgm:txPr/>
-    <dgm:style>
-      <a:lnRef idx="2">
-        <a:scrgbClr r="0" g="0" b="0"/>
-      </a:lnRef>
-      <a:fillRef idx="1">
-        <a:scrgbClr r="0" g="0" b="0"/>
-      </a:fillRef>
-      <a:effectRef idx="0">
-        <a:scrgbClr r="0" g="0" b="0"/>
-      </a:effectRef>
-      <a:fontRef idx="minor">
-        <a:schemeClr val="lt1"/>
-      </a:fontRef>
-    </dgm:style>
-  </dgm:styleLbl>
-  <dgm:styleLbl name="asst2">
-    <dgm:scene3d>
-      <a:camera prst="orthographicFront"/>
-      <a:lightRig rig="threePt" dir="t"/>
-    </dgm:scene3d>
-    <dgm:sp3d/>
-    <dgm:txPr/>
-    <dgm:style>
-      <a:lnRef idx="2">
-        <a:scrgbClr r="0" g="0" b="0"/>
-      </a:lnRef>
-      <a:fillRef idx="1">
-        <a:scrgbClr r="0" g="0" b="0"/>
-      </a:fillRef>
-      <a:effectRef idx="0">
-        <a:scrgbClr r="0" g="0" b="0"/>
-      </a:effectRef>
-      <a:fontRef idx="minor">
-        <a:schemeClr val="lt1"/>
-      </a:fontRef>
-    </dgm:style>
-  </dgm:styleLbl>
-  <dgm:styleLbl name="asst3">
-    <dgm:scene3d>
-      <a:camera prst="orthographicFront"/>
-      <a:lightRig rig="threePt" dir="t"/>
-    </dgm:scene3d>
-    <dgm:sp3d/>
-    <dgm:txPr/>
-    <dgm:style>
-      <a:lnRef idx="2">
-        <a:scrgbClr r="0" g="0" b="0"/>
-      </a:lnRef>
-      <a:fillRef idx="1">
-        <a:scrgbClr r="0" g="0" b="0"/>
-      </a:fillRef>
-      <a:effectRef idx="0">
-        <a:scrgbClr r="0" g="0" b="0"/>
-      </a:effectRef>
-      <a:fontRef idx="minor">
-        <a:schemeClr val="lt1"/>
-      </a:fontRef>
-    </dgm:style>
-  </dgm:styleLbl>
-  <dgm:styleLbl name="asst4">
-    <dgm:scene3d>
-      <a:camera prst="orthographicFront"/>
-      <a:lightRig rig="threePt" dir="t"/>
-    </dgm:scene3d>
-    <dgm:sp3d/>
-    <dgm:txPr/>
-    <dgm:style>
-      <a:lnRef idx="2">
-        <a:scrgbClr r="0" g="0" b="0"/>
-      </a:lnRef>
-      <a:fillRef idx="1">
-        <a:scrgbClr r="0" g="0" b="0"/>
-      </a:fillRef>
-      <a:effectRef idx="0">
-        <a:scrgbClr r="0" g="0" b="0"/>
-      </a:effectRef>
-      <a:fontRef idx="minor">
-        <a:schemeClr val="lt1"/>
-      </a:fontRef>
-    </dgm:style>
-  </dgm:styleLbl>
-  <dgm:styleLbl name="parChTrans2D1">
-    <dgm:scene3d>
-      <a:camera prst="orthographicFront"/>
-      <a:lightRig rig="threePt" dir="t"/>
-    </dgm:scene3d>
-    <dgm:sp3d/>
-    <dgm:txPr/>
-    <dgm:style>
-      <a:lnRef idx="2">
-        <a:scrgbClr r="0" g="0" b="0"/>
-      </a:lnRef>
-      <a:fillRef idx="1">
-        <a:scrgbClr r="0" g="0" b="0"/>
-      </a:fillRef>
-      <a:effectRef idx="0">
-        <a:scrgbClr r="0" g="0" b="0"/>
-      </a:effectRef>
-      <a:fontRef idx="minor">
-        <a:schemeClr val="lt1"/>
-      </a:fontRef>
-    </dgm:style>
-  </dgm:styleLbl>
-  <dgm:styleLbl name="parChTrans2D2">
-    <dgm:scene3d>
-      <a:camera prst="orthographicFront"/>
-      <a:lightRig rig="threePt" dir="t"/>
-    </dgm:scene3d>
-    <dgm:sp3d/>
-    <dgm:txPr/>
-    <dgm:style>
-      <a:lnRef idx="2">
-        <a:scrgbClr r="0" g="0" b="0"/>
-      </a:lnRef>
-      <a:fillRef idx="1">
-        <a:scrgbClr r="0" g="0" b="0"/>
-      </a:fillRef>
-      <a:effectRef idx="0">
-        <a:scrgbClr r="0" g="0" b="0"/>
-      </a:effectRef>
-      <a:fontRef idx="minor">
-        <a:schemeClr val="lt1"/>
-      </a:fontRef>
-    </dgm:style>
-  </dgm:styleLbl>
-  <dgm:styleLbl name="parChTrans2D3">
-    <dgm:scene3d>
-      <a:camera prst="orthographicFront"/>
-      <a:lightRig rig="threePt" dir="t"/>
-    </dgm:scene3d>
-    <dgm:sp3d/>
-    <dgm:txPr/>
-    <dgm:style>
-      <a:lnRef idx="2">
-        <a:scrgbClr r="0" g="0" b="0"/>
-      </a:lnRef>
-      <a:fillRef idx="1">
-        <a:scrgbClr r="0" g="0" b="0"/>
-      </a:fillRef>
-      <a:effectRef idx="0">
-        <a:scrgbClr r="0" g="0" b="0"/>
-      </a:effectRef>
-      <a:fontRef idx="minor">
-        <a:schemeClr val="lt1"/>
-      </a:fontRef>
-    </dgm:style>
-  </dgm:styleLbl>
-  <dgm:styleLbl name="parChTrans2D4">
-    <dgm:scene3d>
-      <a:camera prst="orthographicFront"/>
-      <a:lightRig rig="threePt" dir="t"/>
-    </dgm:scene3d>
-    <dgm:sp3d/>
-    <dgm:txPr/>
-    <dgm:style>
-      <a:lnRef idx="2">
-        <a:scrgbClr r="0" g="0" b="0"/>
-      </a:lnRef>
-      <a:fillRef idx="1">
-        <a:scrgbClr r="0" g="0" b="0"/>
-      </a:fillRef>
-      <a:effectRef idx="0">
-        <a:scrgbClr r="0" g="0" b="0"/>
-      </a:effectRef>
-      <a:fontRef idx="minor">
-        <a:schemeClr val="lt1"/>
-      </a:fontRef>
-    </dgm:style>
-  </dgm:styleLbl>
-  <dgm:styleLbl name="parChTrans1D1">
-    <dgm:scene3d>
-      <a:camera prst="orthographicFront"/>
-      <a:lightRig rig="threePt" dir="t"/>
-    </dgm:scene3d>
-    <dgm:sp3d/>
-    <dgm:txPr/>
-    <dgm:style>
-      <a:lnRef idx="2">
-        <a:scrgbClr r="0" g="0" b="0"/>
-      </a:lnRef>
-      <a:fillRef idx="0">
-        <a:scrgbClr r="0" g="0" b="0"/>
-      </a:fillRef>
-      <a:effectRef idx="0">
-        <a:scrgbClr r="0" g="0" b="0"/>
-      </a:effectRef>
-      <a:fontRef idx="minor"/>
-    </dgm:style>
-  </dgm:styleLbl>
-  <dgm:styleLbl name="parChTrans1D2">
-    <dgm:scene3d>
-      <a:camera prst="orthographicFront"/>
-      <a:lightRig rig="threePt" dir="t"/>
-    </dgm:scene3d>
-    <dgm:sp3d/>
-    <dgm:txPr/>
-    <dgm:style>
-      <a:lnRef idx="2">
-        <a:scrgbClr r="0" g="0" b="0"/>
-      </a:lnRef>
-      <a:fillRef idx="0">
-        <a:scrgbClr r="0" g="0" b="0"/>
-      </a:fillRef>
-      <a:effectRef idx="0">
-        <a:scrgbClr r="0" g="0" b="0"/>
-      </a:effectRef>
-      <a:fontRef idx="minor"/>
-    </dgm:style>
-  </dgm:styleLbl>
-  <dgm:styleLbl name="parChTrans1D3">
-    <dgm:scene3d>
-      <a:camera prst="orthographicFront"/>
-      <a:lightRig rig="threePt" dir="t"/>
-    </dgm:scene3d>
-    <dgm:sp3d/>
-    <dgm:txPr/>
-    <dgm:style>
-      <a:lnRef idx="2">
-        <a:scrgbClr r="0" g="0" b="0"/>
-      </a:lnRef>
-      <a:fillRef idx="0">
-        <a:scrgbClr r="0" g="0" b="0"/>
-      </a:fillRef>
-      <a:effectRef idx="0">
-        <a:scrgbClr r="0" g="0" b="0"/>
-      </a:effectRef>
-      <a:fontRef idx="minor"/>
-    </dgm:style>
-  </dgm:styleLbl>
-  <dgm:styleLbl name="parChTrans1D4">
-    <dgm:scene3d>
-      <a:camera prst="orthographicFront"/>
-      <a:lightRig rig="threePt" dir="t"/>
-    </dgm:scene3d>
-    <dgm:sp3d/>
-    <dgm:txPr/>
-    <dgm:style>
-      <a:lnRef idx="2">
-        <a:scrgbClr r="0" g="0" b="0"/>
-      </a:lnRef>
-      <a:fillRef idx="0">
-        <a:scrgbClr r="0" g="0" b="0"/>
-      </a:fillRef>
-      <a:effectRef idx="0">
-        <a:scrgbClr r="0" g="0" b="0"/>
-      </a:effectRef>
-      <a:fontRef idx="minor"/>
-    </dgm:style>
-  </dgm:styleLbl>
-  <dgm:styleLbl name="fgAcc1">
-    <dgm:scene3d>
-      <a:camera prst="orthographicFront"/>
-      <a:lightRig rig="threePt" dir="t"/>
-    </dgm:scene3d>
-    <dgm:sp3d/>
-    <dgm:txPr/>
-    <dgm:style>
-      <a:lnRef idx="2">
-        <a:scrgbClr r="0" g="0" b="0"/>
-      </a:lnRef>
-      <a:fillRef idx="1">
-        <a:scrgbClr r="0" g="0" b="0"/>
-      </a:fillRef>
-      <a:effectRef idx="0">
-        <a:scrgbClr r="0" g="0" b="0"/>
-      </a:effectRef>
-      <a:fontRef idx="minor"/>
-    </dgm:style>
-  </dgm:styleLbl>
-  <dgm:styleLbl name="conFgAcc1">
-    <dgm:scene3d>
-      <a:camera prst="orthographicFront"/>
-      <a:lightRig rig="threePt" dir="t"/>
-    </dgm:scene3d>
-    <dgm:sp3d/>
-    <dgm:txPr/>
-    <dgm:style>
-      <a:lnRef idx="2">
-        <a:scrgbClr r="0" g="0" b="0"/>
-      </a:lnRef>
-      <a:fillRef idx="1">
-        <a:scrgbClr r="0" g="0" b="0"/>
-      </a:fillRef>
-      <a:effectRef idx="0">
-        <a:scrgbClr r="0" g="0" b="0"/>
-      </a:effectRef>
-      <a:fontRef idx="minor"/>
-    </dgm:style>
-  </dgm:styleLbl>
-  <dgm:styleLbl name="alignAcc1">
-    <dgm:scene3d>
-      <a:camera prst="orthographicFront"/>
-      <a:lightRig rig="threePt" dir="t"/>
-    </dgm:scene3d>
-    <dgm:sp3d/>
-    <dgm:txPr/>
-    <dgm:style>
-      <a:lnRef idx="2">
-        <a:scrgbClr r="0" g="0" b="0"/>
-      </a:lnRef>
-      <a:fillRef idx="1">
-        <a:scrgbClr r="0" g="0" b="0"/>
-      </a:fillRef>
-      <a:effectRef idx="0">
-        <a:scrgbClr r="0" g="0" b="0"/>
-      </a:effectRef>
-      <a:fontRef idx="minor"/>
-    </dgm:style>
-  </dgm:styleLbl>
-  <dgm:styleLbl name="trAlignAcc1">
-    <dgm:scene3d>
-      <a:camera prst="orthographicFront"/>
-      <a:lightRig rig="threePt" dir="t"/>
-    </dgm:scene3d>
-    <dgm:sp3d/>
-    <dgm:txPr/>
-    <dgm:style>
-      <a:lnRef idx="1">
-        <a:scrgbClr r="0" g="0" b="0"/>
-      </a:lnRef>
-      <a:fillRef idx="1">
-        <a:scrgbClr r="0" g="0" b="0"/>
-      </a:fillRef>
-      <a:effectRef idx="0">
-        <a:scrgbClr r="0" g="0" b="0"/>
-      </a:effectRef>
-      <a:fontRef idx="minor"/>
-    </dgm:style>
-  </dgm:styleLbl>
-  <dgm:styleLbl name="bgAcc1">
-    <dgm:scene3d>
-      <a:camera prst="orthographicFront"/>
-      <a:lightRig rig="threePt" dir="t"/>
-    </dgm:scene3d>
-    <dgm:sp3d/>
-    <dgm:txPr/>
-    <dgm:style>
-      <a:lnRef idx="2">
-        <a:scrgbClr r="0" g="0" b="0"/>
-      </a:lnRef>
-      <a:fillRef idx="1">
-        <a:scrgbClr r="0" g="0" b="0"/>
-      </a:fillRef>
-      <a:effectRef idx="0">
-        <a:scrgbClr r="0" g="0" b="0"/>
-      </a:effectRef>
-      <a:fontRef idx="minor"/>
-    </dgm:style>
-  </dgm:styleLbl>
-  <dgm:styleLbl name="solidFgAcc1">
-    <dgm:scene3d>
-      <a:camera prst="orthographicFront"/>
-      <a:lightRig rig="threePt" dir="t"/>
-    </dgm:scene3d>
-    <dgm:sp3d/>
-    <dgm:txPr/>
-    <dgm:style>
-      <a:lnRef idx="2">
-        <a:scrgbClr r="0" g="0" b="0"/>
-      </a:lnRef>
-      <a:fillRef idx="1">
-        <a:scrgbClr r="0" g="0" b="0"/>
-      </a:fillRef>
-      <a:effectRef idx="0">
-        <a:scrgbClr r="0" g="0" b="0"/>
-      </a:effectRef>
-      <a:fontRef idx="minor"/>
-    </dgm:style>
-  </dgm:styleLbl>
-  <dgm:styleLbl name="solidAlignAcc1">
-    <dgm:scene3d>
-      <a:camera prst="orthographicFront"/>
-      <a:lightRig rig="threePt" dir="t"/>
-    </dgm:scene3d>
-    <dgm:sp3d/>
-    <dgm:txPr/>
-    <dgm:style>
-      <a:lnRef idx="2">
-        <a:scrgbClr r="0" g="0" b="0"/>
-      </a:lnRef>
-      <a:fillRef idx="1">
-        <a:scrgbClr r="0" g="0" b="0"/>
-      </a:fillRef>
-      <a:effectRef idx="0">
-        <a:scrgbClr r="0" g="0" b="0"/>
-      </a:effectRef>
-      <a:fontRef idx="minor"/>
-    </dgm:style>
-  </dgm:styleLbl>
-  <dgm:styleLbl name="solidBgAcc1">
-    <dgm:scene3d>
-      <a:camera prst="orthographicFront"/>
-      <a:lightRig rig="threePt" dir="t"/>
-    </dgm:scene3d>
-    <dgm:sp3d/>
-    <dgm:txPr/>
-    <dgm:style>
-      <a:lnRef idx="2">
-        <a:scrgbClr r="0" g="0" b="0"/>
-      </a:lnRef>
-      <a:fillRef idx="1">
-        <a:scrgbClr r="0" g="0" b="0"/>
-      </a:fillRef>
-      <a:effectRef idx="0">
-        <a:scrgbClr r="0" g="0" b="0"/>
-      </a:effectRef>
-      <a:fontRef idx="minor"/>
-    </dgm:style>
-  </dgm:styleLbl>
-  <dgm:styleLbl name="fgAccFollowNode1">
-    <dgm:scene3d>
-      <a:camera prst="orthographicFront"/>
-      <a:lightRig rig="threePt" dir="t"/>
-    </dgm:scene3d>
-    <dgm:sp3d/>
-    <dgm:txPr/>
-    <dgm:style>
-      <a:lnRef idx="2">
-        <a:scrgbClr r="0" g="0" b="0"/>
-      </a:lnRef>
-      <a:fillRef idx="1">
-        <a:scrgbClr r="0" g="0" b="0"/>
-      </a:fillRef>
-      <a:effectRef idx="0">
-        <a:scrgbClr r="0" g="0" b="0"/>
-      </a:effectRef>
-      <a:fontRef idx="minor"/>
-    </dgm:style>
-  </dgm:styleLbl>
-  <dgm:styleLbl name="alignAccFollowNode1">
-    <dgm:scene3d>
-      <a:camera prst="orthographicFront"/>
-      <a:lightRig rig="threePt" dir="t"/>
-    </dgm:scene3d>
-    <dgm:sp3d/>
-    <dgm:txPr/>
-    <dgm:style>
-      <a:lnRef idx="2">
-        <a:scrgbClr r="0" g="0" b="0"/>
-      </a:lnRef>
-      <a:fillRef idx="1">
-        <a:scrgbClr r="0" g="0" b="0"/>
-      </a:fillRef>
-      <a:effectRef idx="0">
-        <a:scrgbClr r="0" g="0" b="0"/>
-      </a:effectRef>
-      <a:fontRef idx="minor"/>
-    </dgm:style>
-  </dgm:styleLbl>
-  <dgm:styleLbl name="bgAccFollowNode1">
-    <dgm:scene3d>
-      <a:camera prst="orthographicFront"/>
-      <a:lightRig rig="threePt" dir="t"/>
-    </dgm:scene3d>
-    <dgm:sp3d/>
-    <dgm:txPr/>
-    <dgm:style>
-      <a:lnRef idx="2">
-        <a:scrgbClr r="0" g="0" b="0"/>
-      </a:lnRef>
-      <a:fillRef idx="1">
-        <a:scrgbClr r="0" g="0" b="0"/>
-      </a:fillRef>
-      <a:effectRef idx="0">
-        <a:scrgbClr r="0" g="0" b="0"/>
-      </a:effectRef>
-      <a:fontRef idx="minor"/>
-    </dgm:style>
-  </dgm:styleLbl>
-  <dgm:styleLbl name="fgAcc0">
-    <dgm:scene3d>
-      <a:camera prst="orthographicFront"/>
-      <a:lightRig rig="threePt" dir="t"/>
-    </dgm:scene3d>
-    <dgm:sp3d/>
-    <dgm:txPr/>
-    <dgm:style>
-      <a:lnRef idx="2">
-        <a:scrgbClr r="0" g="0" b="0"/>
-      </a:lnRef>
-      <a:fillRef idx="1">
-        <a:scrgbClr r="0" g="0" b="0"/>
-      </a:fillRef>
-      <a:effectRef idx="0">
-        <a:scrgbClr r="0" g="0" b="0"/>
-      </a:effectRef>
-      <a:fontRef idx="minor"/>
-    </dgm:style>
-  </dgm:styleLbl>
-  <dgm:styleLbl name="fgAcc2">
-    <dgm:scene3d>
-      <a:camera prst="orthographicFront"/>
-      <a:lightRig rig="threePt" dir="t"/>
-    </dgm:scene3d>
-    <dgm:sp3d/>
-    <dgm:txPr/>
-    <dgm:style>
-      <a:lnRef idx="2">
-        <a:scrgbClr r="0" g="0" b="0"/>
-      </a:lnRef>
-      <a:fillRef idx="1">
-        <a:scrgbClr r="0" g="0" b="0"/>
-      </a:fillRef>
-      <a:effectRef idx="0">
-        <a:scrgbClr r="0" g="0" b="0"/>
-      </a:effectRef>
-      <a:fontRef idx="minor"/>
-    </dgm:style>
-  </dgm:styleLbl>
-  <dgm:styleLbl name="fgAcc3">
-    <dgm:scene3d>
-      <a:camera prst="orthographicFront"/>
-      <a:lightRig rig="threePt" dir="t"/>
-    </dgm:scene3d>
-    <dgm:sp3d/>
-    <dgm:txPr/>
-    <dgm:style>
-      <a:lnRef idx="2">
-        <a:scrgbClr r="0" g="0" b="0"/>
-      </a:lnRef>
-      <a:fillRef idx="1">
-        <a:scrgbClr r="0" g="0" b="0"/>
-      </a:fillRef>
-      <a:effectRef idx="0">
-        <a:scrgbClr r="0" g="0" b="0"/>
-      </a:effectRef>
-      <a:fontRef idx="minor"/>
-    </dgm:style>
-  </dgm:styleLbl>
-  <dgm:styleLbl name="fgAcc4">
-    <dgm:scene3d>
-      <a:camera prst="orthographicFront"/>
-      <a:lightRig rig="threePt" dir="t"/>
-    </dgm:scene3d>
-    <dgm:sp3d/>
-    <dgm:txPr/>
-    <dgm:style>
-      <a:lnRef idx="2">
-        <a:scrgbClr r="0" g="0" b="0"/>
-      </a:lnRef>
-      <a:fillRef idx="1">
-        <a:scrgbClr r="0" g="0" b="0"/>
-      </a:fillRef>
-      <a:effectRef idx="0">
-        <a:scrgbClr r="0" g="0" b="0"/>
-      </a:effectRef>
-      <a:fontRef idx="minor"/>
-    </dgm:style>
-  </dgm:styleLbl>
-  <dgm:styleLbl name="bgShp">
-    <dgm:scene3d>
-      <a:camera prst="orthographicFront"/>
-      <a:lightRig rig="threePt" dir="t"/>
-    </dgm:scene3d>
-    <dgm:sp3d/>
-    <dgm:txPr/>
-    <dgm:style>
-      <a:lnRef idx="0">
-        <a:scrgbClr r="0" g="0" b="0"/>
-      </a:lnRef>
-      <a:fillRef idx="1">
-        <a:scrgbClr r="0" g="0" b="0"/>
-      </a:fillRef>
-      <a:effectRef idx="0">
-        <a:scrgbClr r="0" g="0" b="0"/>
-      </a:effectRef>
-      <a:fontRef idx="minor"/>
-    </dgm:style>
-  </dgm:styleLbl>
-  <dgm:styleLbl name="dkBgShp">
-    <dgm:scene3d>
-      <a:camera prst="orthographicFront"/>
-      <a:lightRig rig="threePt" dir="t"/>
-    </dgm:scene3d>
-    <dgm:sp3d/>
-    <dgm:txPr/>
-    <dgm:style>
-      <a:lnRef idx="0">
-        <a:scrgbClr r="0" g="0" b="0"/>
-      </a:lnRef>
-      <a:fillRef idx="1">
-        <a:scrgbClr r="0" g="0" b="0"/>
-      </a:fillRef>
-      <a:effectRef idx="0">
-        <a:scrgbClr r="0" g="0" b="0"/>
-      </a:effectRef>
-      <a:fontRef idx="minor"/>
-    </dgm:style>
-  </dgm:styleLbl>
-  <dgm:styleLbl name="trBgShp">
-    <dgm:scene3d>
-      <a:camera prst="orthographicFront"/>
-      <a:lightRig rig="threePt" dir="t"/>
-    </dgm:scene3d>
-    <dgm:sp3d/>
-    <dgm:txPr/>
-    <dgm:style>
-      <a:lnRef idx="0">
-        <a:scrgbClr r="0" g="0" b="0"/>
-      </a:lnRef>
-      <a:fillRef idx="1">
-        <a:scrgbClr r="0" g="0" b="0"/>
-      </a:fillRef>
-      <a:effectRef idx="0">
-        <a:scrgbClr r="0" g="0" b="0"/>
-      </a:effectRef>
-      <a:fontRef idx="minor"/>
-    </dgm:style>
-  </dgm:styleLbl>
-  <dgm:styleLbl name="fgShp">
-    <dgm:scene3d>
-      <a:camera prst="orthographicFront"/>
-      <a:lightRig rig="threePt" dir="t"/>
-    </dgm:scene3d>
-    <dgm:sp3d/>
-    <dgm:txPr/>
-    <dgm:style>
-      <a:lnRef idx="2">
-        <a:scrgbClr r="0" g="0" b="0"/>
-      </a:lnRef>
-      <a:fillRef idx="1">
-        <a:scrgbClr r="0" g="0" b="0"/>
-      </a:fillRef>
-      <a:effectRef idx="0">
-        <a:scrgbClr r="0" g="0" b="0"/>
-      </a:effectRef>
-      <a:fontRef idx="minor"/>
-    </dgm:style>
-  </dgm:styleLbl>
-  <dgm:styleLbl name="revTx">
-    <dgm:scene3d>
-      <a:camera prst="orthographicFront"/>
-      <a:lightRig rig="threePt" dir="t"/>
-    </dgm:scene3d>
-    <dgm:sp3d/>
-    <dgm:txPr/>
-    <dgm:style>
-      <a:lnRef idx="0">
-        <a:scrgbClr r="0" g="0" b="0"/>
-      </a:lnRef>
-      <a:fillRef idx="0">
-        <a:scrgbClr r="0" g="0" b="0"/>
-      </a:fillRef>
-      <a:effectRef idx="0">
-        <a:scrgbClr r="0" g="0" b="0"/>
-      </a:effectRef>
-      <a:fontRef idx="minor"/>
-    </dgm:style>
-  </dgm:styleLbl>
-</dgm:styleDef>
-</file>
-
 <file path=ppt/notesMasters/notesMaster1.xml><?xml version="1.0" encoding="utf-8"?>
 <p:notesMaster xmlns:a="http://schemas.openxmlformats.org/drawingml/2006/main" xmlns:r="http://schemas.openxmlformats.org/officeDocument/2006/relationships" xmlns:p="http://schemas.openxmlformats.org/presentationml/2006/main">
   <p:cSld>
@@ -9118,7 +6694,7 @@
           <a:p>
             <a:fld id="{237BF745-0557-B241-863F-056113C7032A}" type="slidenum">
               <a:rPr lang="en-US" smtClean="0"/>
-              <a:t>4</a:t>
+              <a:t>3</a:t>
             </a:fld>
             <a:endParaRPr lang="en-US"/>
           </a:p>
@@ -9202,7 +6778,7 @@
           <a:p>
             <a:fld id="{237BF745-0557-B241-863F-056113C7032A}" type="slidenum">
               <a:rPr lang="en-US" smtClean="0"/>
-              <a:t>7</a:t>
+              <a:t>6</a:t>
             </a:fld>
             <a:endParaRPr lang="en-US"/>
           </a:p>
@@ -22939,7 +20515,7 @@
           <p:cNvPr id="4" name="Title 3">
             <a:extLst>
               <a:ext uri="{FF2B5EF4-FFF2-40B4-BE49-F238E27FC236}">
-                <a16:creationId xmlns:a16="http://schemas.microsoft.com/office/drawing/2014/main" id="{7846C839-D3A0-636C-D971-868C770A0AD5}"/>
+                <a16:creationId xmlns:a16="http://schemas.microsoft.com/office/drawing/2014/main" id="{183115D7-6C74-6528-F23C-B81DEA42F2D7}"/>
               </a:ext>
             </a:extLst>
           </p:cNvPr>
@@ -22964,7 +20540,7 @@
           <a:p>
             <a:r>
               <a:rPr lang="en-US" sz="3400"/>
-              <a:t>Meeting #3 Agenda</a:t>
+              <a:t>TA Introduction</a:t>
             </a:r>
           </a:p>
         </p:txBody>
@@ -22974,7 +20550,7 @@
           <p:cNvPr id="2" name="Text Placeholder 1">
             <a:extLst>
               <a:ext uri="{FF2B5EF4-FFF2-40B4-BE49-F238E27FC236}">
-                <a16:creationId xmlns:a16="http://schemas.microsoft.com/office/drawing/2014/main" id="{0F81D7E7-9C88-E1A1-FBC5-EB3B9C1614C8}"/>
+                <a16:creationId xmlns:a16="http://schemas.microsoft.com/office/drawing/2014/main" id="{EFE80EDF-A818-238F-8741-CAE4C25A65DC}"/>
               </a:ext>
             </a:extLst>
           </p:cNvPr>
@@ -23009,7 +20585,7 @@
           <p:cNvPr id="5" name="Slide Number Placeholder 4">
             <a:extLst>
               <a:ext uri="{FF2B5EF4-FFF2-40B4-BE49-F238E27FC236}">
-                <a16:creationId xmlns:a16="http://schemas.microsoft.com/office/drawing/2014/main" id="{8153800B-CD1A-861F-FF05-A0D4FB0E0ABE}"/>
+                <a16:creationId xmlns:a16="http://schemas.microsoft.com/office/drawing/2014/main" id="{1E20F8CE-5ADA-39BC-305A-AC9139015A81}"/>
               </a:ext>
             </a:extLst>
           </p:cNvPr>
@@ -23045,174 +20621,6 @@
                 </a:spcAft>
               </a:pPr>
               <a:t>3</a:t>
-            </a:fld>
-            <a:endParaRPr lang="en-US"/>
-          </a:p>
-        </p:txBody>
-      </p:sp>
-      <p:graphicFrame>
-        <p:nvGraphicFramePr>
-          <p:cNvPr id="7" name="Text Placeholder 2">
-            <a:extLst>
-              <a:ext uri="{FF2B5EF4-FFF2-40B4-BE49-F238E27FC236}">
-                <a16:creationId xmlns:a16="http://schemas.microsoft.com/office/drawing/2014/main" id="{6124C5C4-E3BE-E03A-8E90-9A7A22FBEB02}"/>
-              </a:ext>
-            </a:extLst>
-          </p:cNvPr>
-          <p:cNvGraphicFramePr/>
-          <p:nvPr/>
-        </p:nvGraphicFramePr>
-        <p:xfrm>
-          <a:off x="468086" y="1543324"/>
-          <a:ext cx="11266714" cy="4454706"/>
-        </p:xfrm>
-        <a:graphic>
-          <a:graphicData uri="http://schemas.openxmlformats.org/drawingml/2006/diagram">
-            <dgm:relIds xmlns:dgm="http://schemas.openxmlformats.org/drawingml/2006/diagram" xmlns:r="http://schemas.openxmlformats.org/officeDocument/2006/relationships" r:dm="rId2" r:lo="rId3" r:qs="rId4" r:cs="rId5"/>
-          </a:graphicData>
-        </a:graphic>
-      </p:graphicFrame>
-    </p:spTree>
-    <p:extLst>
-      <p:ext uri="{BB962C8B-B14F-4D97-AF65-F5344CB8AC3E}">
-        <p14:creationId xmlns:p14="http://schemas.microsoft.com/office/powerpoint/2010/main" val="3510487534"/>
-      </p:ext>
-    </p:extLst>
-  </p:cSld>
-  <p:clrMapOvr>
-    <a:masterClrMapping/>
-  </p:clrMapOvr>
-</p:sld>
-</file>
-
-<file path=ppt/slides/slide4.xml><?xml version="1.0" encoding="utf-8"?>
-<p:sld xmlns:a="http://schemas.openxmlformats.org/drawingml/2006/main" xmlns:r="http://schemas.openxmlformats.org/officeDocument/2006/relationships" xmlns:p="http://schemas.openxmlformats.org/presentationml/2006/main">
-  <p:cSld>
-    <p:spTree>
-      <p:nvGrpSpPr>
-        <p:cNvPr id="1" name=""/>
-        <p:cNvGrpSpPr/>
-        <p:nvPr/>
-      </p:nvGrpSpPr>
-      <p:grpSpPr>
-        <a:xfrm>
-          <a:off x="0" y="0"/>
-          <a:ext cx="0" cy="0"/>
-          <a:chOff x="0" y="0"/>
-          <a:chExt cx="0" cy="0"/>
-        </a:xfrm>
-      </p:grpSpPr>
-      <p:sp>
-        <p:nvSpPr>
-          <p:cNvPr id="4" name="Title 3">
-            <a:extLst>
-              <a:ext uri="{FF2B5EF4-FFF2-40B4-BE49-F238E27FC236}">
-                <a16:creationId xmlns:a16="http://schemas.microsoft.com/office/drawing/2014/main" id="{183115D7-6C74-6528-F23C-B81DEA42F2D7}"/>
-              </a:ext>
-            </a:extLst>
-          </p:cNvPr>
-          <p:cNvSpPr>
-            <a:spLocks noGrp="1"/>
-          </p:cNvSpPr>
-          <p:nvPr>
-            <p:ph type="title"/>
-          </p:nvPr>
-        </p:nvSpPr>
-        <p:spPr>
-          <a:xfrm>
-            <a:off x="468086" y="385004"/>
-            <a:ext cx="11266714" cy="589032"/>
-          </a:xfrm>
-        </p:spPr>
-        <p:txBody>
-          <a:bodyPr anchor="ctr">
-            <a:normAutofit/>
-          </a:bodyPr>
-          <a:lstStyle/>
-          <a:p>
-            <a:r>
-              <a:rPr lang="en-US" sz="3400"/>
-              <a:t>TA Introduction</a:t>
-            </a:r>
-          </a:p>
-        </p:txBody>
-      </p:sp>
-      <p:sp>
-        <p:nvSpPr>
-          <p:cNvPr id="2" name="Text Placeholder 1">
-            <a:extLst>
-              <a:ext uri="{FF2B5EF4-FFF2-40B4-BE49-F238E27FC236}">
-                <a16:creationId xmlns:a16="http://schemas.microsoft.com/office/drawing/2014/main" id="{EFE80EDF-A818-238F-8741-CAE4C25A65DC}"/>
-              </a:ext>
-            </a:extLst>
-          </p:cNvPr>
-          <p:cNvSpPr>
-            <a:spLocks noGrp="1"/>
-          </p:cNvSpPr>
-          <p:nvPr>
-            <p:ph type="body" sz="quarter" idx="11"/>
-          </p:nvPr>
-        </p:nvSpPr>
-        <p:spPr>
-          <a:xfrm>
-            <a:off x="457200" y="954291"/>
-            <a:ext cx="11277600" cy="365760"/>
-          </a:xfrm>
-        </p:spPr>
-        <p:txBody>
-          <a:bodyPr>
-            <a:normAutofit lnSpcReduction="10000"/>
-          </a:bodyPr>
-          <a:lstStyle/>
-          <a:p>
-            <a:r>
-              <a:rPr lang="en-US" sz="2000"/>
-              <a:t>The Data Mine</a:t>
-            </a:r>
-          </a:p>
-        </p:txBody>
-      </p:sp>
-      <p:sp>
-        <p:nvSpPr>
-          <p:cNvPr id="5" name="Slide Number Placeholder 4">
-            <a:extLst>
-              <a:ext uri="{FF2B5EF4-FFF2-40B4-BE49-F238E27FC236}">
-                <a16:creationId xmlns:a16="http://schemas.microsoft.com/office/drawing/2014/main" id="{1E20F8CE-5ADA-39BC-305A-AC9139015A81}"/>
-              </a:ext>
-            </a:extLst>
-          </p:cNvPr>
-          <p:cNvSpPr>
-            <a:spLocks noGrp="1"/>
-          </p:cNvSpPr>
-          <p:nvPr>
-            <p:ph type="sldNum" sz="quarter" idx="15"/>
-          </p:nvPr>
-        </p:nvSpPr>
-        <p:spPr>
-          <a:xfrm>
-            <a:off x="10634663" y="6290433"/>
-            <a:ext cx="1100137" cy="365125"/>
-          </a:xfrm>
-        </p:spPr>
-        <p:txBody>
-          <a:bodyPr anchor="ctr">
-            <a:normAutofit/>
-          </a:bodyPr>
-          <a:lstStyle/>
-          <a:p>
-            <a:pPr>
-              <a:spcAft>
-                <a:spcPts val="600"/>
-              </a:spcAft>
-            </a:pPr>
-            <a:fld id="{F994776A-187E-9540-9EA4-8D5781AB769D}" type="slidenum">
-              <a:rPr lang="en-US" smtClean="0"/>
-              <a:pPr>
-                <a:spcAft>
-                  <a:spcPts val="600"/>
-                </a:spcAft>
-              </a:pPr>
-              <a:t>4</a:t>
             </a:fld>
             <a:endParaRPr lang="en-US"/>
           </a:p>
@@ -23259,7 +20667,7 @@
 </p:sld>
 </file>
 
-<file path=ppt/slides/slide5.xml><?xml version="1.0" encoding="utf-8"?>
+<file path=ppt/slides/slide4.xml><?xml version="1.0" encoding="utf-8"?>
 <p:sld xmlns:a="http://schemas.openxmlformats.org/drawingml/2006/main" xmlns:r="http://schemas.openxmlformats.org/officeDocument/2006/relationships" xmlns:p="http://schemas.openxmlformats.org/presentationml/2006/main">
   <p:cSld>
     <p:spTree>
@@ -23386,7 +20794,7 @@
                   <a:spcPts val="600"/>
                 </a:spcAft>
               </a:pPr>
-              <a:t>5</a:t>
+              <a:t>4</a:t>
             </a:fld>
             <a:endParaRPr lang="en-US"/>
           </a:p>
@@ -23433,7 +20841,7 @@
 </p:sld>
 </file>
 
-<file path=ppt/slides/slide6.xml><?xml version="1.0" encoding="utf-8"?>
+<file path=ppt/slides/slide5.xml><?xml version="1.0" encoding="utf-8"?>
 <p:sld xmlns:a="http://schemas.openxmlformats.org/drawingml/2006/main" xmlns:r="http://schemas.openxmlformats.org/officeDocument/2006/relationships" xmlns:p="http://schemas.openxmlformats.org/presentationml/2006/main">
   <p:cSld>
     <p:spTree>
@@ -23748,7 +21156,7 @@
                   <a:spcPts val="600"/>
                 </a:spcAft>
               </a:pPr>
-              <a:t>6</a:t>
+              <a:t>5</a:t>
             </a:fld>
             <a:endParaRPr lang="en-US"/>
           </a:p>
@@ -23758,6 +21166,278 @@
     <p:extLst>
       <p:ext uri="{BB962C8B-B14F-4D97-AF65-F5344CB8AC3E}">
         <p14:creationId xmlns:p14="http://schemas.microsoft.com/office/powerpoint/2010/main" val="2640861219"/>
+      </p:ext>
+    </p:extLst>
+  </p:cSld>
+  <p:clrMapOvr>
+    <a:masterClrMapping/>
+  </p:clrMapOvr>
+</p:sld>
+</file>
+
+<file path=ppt/slides/slide6.xml><?xml version="1.0" encoding="utf-8"?>
+<p:sld xmlns:a="http://schemas.openxmlformats.org/drawingml/2006/main" xmlns:r="http://schemas.openxmlformats.org/officeDocument/2006/relationships" xmlns:p="http://schemas.openxmlformats.org/presentationml/2006/main">
+  <p:cSld>
+    <p:spTree>
+      <p:nvGrpSpPr>
+        <p:cNvPr id="1" name=""/>
+        <p:cNvGrpSpPr/>
+        <p:nvPr/>
+      </p:nvGrpSpPr>
+      <p:grpSpPr>
+        <a:xfrm>
+          <a:off x="0" y="0"/>
+          <a:ext cx="0" cy="0"/>
+          <a:chOff x="0" y="0"/>
+          <a:chExt cx="0" cy="0"/>
+        </a:xfrm>
+      </p:grpSpPr>
+      <p:pic>
+        <p:nvPicPr>
+          <p:cNvPr id="2050" name="Picture 2" descr="Scrum Model">
+            <a:extLst>
+              <a:ext uri="{FF2B5EF4-FFF2-40B4-BE49-F238E27FC236}">
+                <a16:creationId xmlns:a16="http://schemas.microsoft.com/office/drawing/2014/main" id="{39C8B3C1-16EA-18E7-694F-1E0A72C74ED0}"/>
+              </a:ext>
+            </a:extLst>
+          </p:cNvPr>
+          <p:cNvPicPr>
+            <a:picLocks noChangeAspect="1" noChangeArrowheads="1"/>
+          </p:cNvPicPr>
+          <p:nvPr/>
+        </p:nvPicPr>
+        <p:blipFill rotWithShape="1">
+          <a:blip r:embed="rId3">
+            <a:extLst>
+              <a:ext uri="{28A0092B-C50C-407E-A947-70E740481C1C}">
+                <a14:useLocalDpi xmlns:a14="http://schemas.microsoft.com/office/drawing/2010/main" val="0"/>
+              </a:ext>
+            </a:extLst>
+          </a:blip>
+          <a:srcRect r="25854" b="-1"/>
+          <a:stretch/>
+        </p:blipFill>
+        <p:spPr bwMode="auto">
+          <a:xfrm>
+            <a:off x="446313" y="1543323"/>
+            <a:ext cx="5458727" cy="4317728"/>
+          </a:xfrm>
+          <a:prstGeom prst="rect">
+            <a:avLst/>
+          </a:prstGeom>
+          <a:noFill/>
+          <a:extLst>
+            <a:ext uri="{909E8E84-426E-40DD-AFC4-6F175D3DCCD1}">
+              <a14:hiddenFill xmlns:a14="http://schemas.microsoft.com/office/drawing/2010/main">
+                <a:solidFill>
+                  <a:srgbClr val="FFFFFF"/>
+                </a:solidFill>
+              </a14:hiddenFill>
+            </a:ext>
+          </a:extLst>
+        </p:spPr>
+      </p:pic>
+      <p:sp>
+        <p:nvSpPr>
+          <p:cNvPr id="4" name="Title 3">
+            <a:extLst>
+              <a:ext uri="{FF2B5EF4-FFF2-40B4-BE49-F238E27FC236}">
+                <a16:creationId xmlns:a16="http://schemas.microsoft.com/office/drawing/2014/main" id="{183115D7-6C74-6528-F23C-B81DEA42F2D7}"/>
+              </a:ext>
+            </a:extLst>
+          </p:cNvPr>
+          <p:cNvSpPr>
+            <a:spLocks noGrp="1"/>
+          </p:cNvSpPr>
+          <p:nvPr>
+            <p:ph type="title"/>
+          </p:nvPr>
+        </p:nvSpPr>
+        <p:spPr>
+          <a:xfrm>
+            <a:off x="468086" y="385004"/>
+            <a:ext cx="11266714" cy="589032"/>
+          </a:xfrm>
+        </p:spPr>
+        <p:txBody>
+          <a:bodyPr anchor="ctr">
+            <a:normAutofit/>
+          </a:bodyPr>
+          <a:lstStyle/>
+          <a:p>
+            <a:r>
+              <a:rPr lang="en-US" sz="3400" dirty="0"/>
+              <a:t>Agile</a:t>
+            </a:r>
+          </a:p>
+        </p:txBody>
+      </p:sp>
+      <p:pic>
+        <p:nvPicPr>
+          <p:cNvPr id="15" name="Picture 14" descr="A table with colorful squares&#10;&#10;Description automatically generated with medium confidence">
+            <a:extLst>
+              <a:ext uri="{FF2B5EF4-FFF2-40B4-BE49-F238E27FC236}">
+                <a16:creationId xmlns:a16="http://schemas.microsoft.com/office/drawing/2014/main" id="{2B6210E4-8915-F26F-C69B-4DD3970B7D9A}"/>
+              </a:ext>
+            </a:extLst>
+          </p:cNvPr>
+          <p:cNvPicPr>
+            <a:picLocks noChangeAspect="1"/>
+          </p:cNvPicPr>
+          <p:nvPr/>
+        </p:nvPicPr>
+        <p:blipFill rotWithShape="1">
+          <a:blip r:embed="rId4"/>
+          <a:srcRect t="9083" r="1" b="1"/>
+          <a:stretch/>
+        </p:blipFill>
+        <p:spPr>
+          <a:xfrm>
+            <a:off x="6286962" y="1543323"/>
+            <a:ext cx="5458727" cy="4317728"/>
+          </a:xfrm>
+          <a:prstGeom prst="rect">
+            <a:avLst/>
+          </a:prstGeom>
+          <a:noFill/>
+        </p:spPr>
+      </p:pic>
+      <p:sp>
+        <p:nvSpPr>
+          <p:cNvPr id="2" name="Text Placeholder 1">
+            <a:extLst>
+              <a:ext uri="{FF2B5EF4-FFF2-40B4-BE49-F238E27FC236}">
+                <a16:creationId xmlns:a16="http://schemas.microsoft.com/office/drawing/2014/main" id="{EFE80EDF-A818-238F-8741-CAE4C25A65DC}"/>
+              </a:ext>
+            </a:extLst>
+          </p:cNvPr>
+          <p:cNvSpPr>
+            <a:spLocks noGrp="1"/>
+          </p:cNvSpPr>
+          <p:nvPr>
+            <p:ph type="body" sz="quarter" idx="13"/>
+          </p:nvPr>
+        </p:nvSpPr>
+        <p:spPr>
+          <a:xfrm>
+            <a:off x="457200" y="954291"/>
+            <a:ext cx="11277600" cy="365760"/>
+          </a:xfrm>
+        </p:spPr>
+        <p:txBody>
+          <a:bodyPr>
+            <a:normAutofit lnSpcReduction="10000"/>
+          </a:bodyPr>
+          <a:lstStyle/>
+          <a:p>
+            <a:r>
+              <a:rPr lang="en-US" sz="2000" dirty="0"/>
+              <a:t>The Data Mine</a:t>
+            </a:r>
+          </a:p>
+        </p:txBody>
+      </p:sp>
+      <p:sp>
+        <p:nvSpPr>
+          <p:cNvPr id="5" name="Slide Number Placeholder 4">
+            <a:extLst>
+              <a:ext uri="{FF2B5EF4-FFF2-40B4-BE49-F238E27FC236}">
+                <a16:creationId xmlns:a16="http://schemas.microsoft.com/office/drawing/2014/main" id="{1E20F8CE-5ADA-39BC-305A-AC9139015A81}"/>
+              </a:ext>
+            </a:extLst>
+          </p:cNvPr>
+          <p:cNvSpPr>
+            <a:spLocks noGrp="1"/>
+          </p:cNvSpPr>
+          <p:nvPr>
+            <p:ph type="sldNum" sz="quarter" idx="14"/>
+          </p:nvPr>
+        </p:nvSpPr>
+        <p:spPr>
+          <a:xfrm>
+            <a:off x="10634663" y="6290433"/>
+            <a:ext cx="1100137" cy="365125"/>
+          </a:xfrm>
+        </p:spPr>
+        <p:txBody>
+          <a:bodyPr anchor="ctr">
+            <a:normAutofit/>
+          </a:bodyPr>
+          <a:lstStyle/>
+          <a:p>
+            <a:pPr>
+              <a:spcAft>
+                <a:spcPts val="600"/>
+              </a:spcAft>
+            </a:pPr>
+            <a:fld id="{F994776A-187E-9540-9EA4-8D5781AB769D}" type="slidenum">
+              <a:rPr lang="en-US" smtClean="0"/>
+              <a:pPr>
+                <a:spcAft>
+                  <a:spcPts val="600"/>
+                </a:spcAft>
+              </a:pPr>
+              <a:t>6</a:t>
+            </a:fld>
+            <a:endParaRPr lang="en-US"/>
+          </a:p>
+        </p:txBody>
+      </p:sp>
+      <p:sp>
+        <p:nvSpPr>
+          <p:cNvPr id="17" name="TextBox 16">
+            <a:extLst>
+              <a:ext uri="{FF2B5EF4-FFF2-40B4-BE49-F238E27FC236}">
+                <a16:creationId xmlns:a16="http://schemas.microsoft.com/office/drawing/2014/main" id="{0BFDD21F-2734-902A-2D28-7BBDA20E5A7B}"/>
+              </a:ext>
+            </a:extLst>
+          </p:cNvPr>
+          <p:cNvSpPr txBox="1"/>
+          <p:nvPr/>
+        </p:nvSpPr>
+        <p:spPr>
+          <a:xfrm>
+            <a:off x="6615953" y="6290433"/>
+            <a:ext cx="5118847" cy="369332"/>
+          </a:xfrm>
+          <a:prstGeom prst="rect">
+            <a:avLst/>
+          </a:prstGeom>
+          <a:noFill/>
+        </p:spPr>
+        <p:txBody>
+          <a:bodyPr wrap="square" rtlCol="0">
+            <a:spAutoFit/>
+          </a:bodyPr>
+          <a:lstStyle/>
+          <a:p>
+            <a:r>
+              <a:rPr lang="en-US" dirty="0"/>
+              <a:t>https://the-examples-</a:t>
+            </a:r>
+            <a:r>
+              <a:rPr lang="en-US" dirty="0" err="1"/>
+              <a:t>book.com</a:t>
+            </a:r>
+            <a:r>
+              <a:rPr lang="en-US" dirty="0"/>
+              <a:t>/</a:t>
+            </a:r>
+            <a:r>
+              <a:rPr lang="en-US" dirty="0" err="1"/>
+              <a:t>crp</a:t>
+            </a:r>
+            <a:r>
+              <a:rPr lang="en-US" dirty="0"/>
+              <a:t>/agile/</a:t>
+            </a:r>
+          </a:p>
+        </p:txBody>
+      </p:sp>
+    </p:spTree>
+    <p:extLst>
+      <p:ext uri="{BB962C8B-B14F-4D97-AF65-F5344CB8AC3E}">
+        <p14:creationId xmlns:p14="http://schemas.microsoft.com/office/powerpoint/2010/main" val="1696456461"/>
       </p:ext>
     </p:extLst>
   </p:cSld>
@@ -23786,278 +21466,6 @@
       </p:grpSpPr>
       <p:pic>
         <p:nvPicPr>
-          <p:cNvPr id="2050" name="Picture 2" descr="Scrum Model">
-            <a:extLst>
-              <a:ext uri="{FF2B5EF4-FFF2-40B4-BE49-F238E27FC236}">
-                <a16:creationId xmlns:a16="http://schemas.microsoft.com/office/drawing/2014/main" id="{39C8B3C1-16EA-18E7-694F-1E0A72C74ED0}"/>
-              </a:ext>
-            </a:extLst>
-          </p:cNvPr>
-          <p:cNvPicPr>
-            <a:picLocks noChangeAspect="1" noChangeArrowheads="1"/>
-          </p:cNvPicPr>
-          <p:nvPr/>
-        </p:nvPicPr>
-        <p:blipFill rotWithShape="1">
-          <a:blip r:embed="rId3">
-            <a:extLst>
-              <a:ext uri="{28A0092B-C50C-407E-A947-70E740481C1C}">
-                <a14:useLocalDpi xmlns:a14="http://schemas.microsoft.com/office/drawing/2010/main" val="0"/>
-              </a:ext>
-            </a:extLst>
-          </a:blip>
-          <a:srcRect r="25854" b="-1"/>
-          <a:stretch/>
-        </p:blipFill>
-        <p:spPr bwMode="auto">
-          <a:xfrm>
-            <a:off x="446313" y="1543323"/>
-            <a:ext cx="5458727" cy="4317728"/>
-          </a:xfrm>
-          <a:prstGeom prst="rect">
-            <a:avLst/>
-          </a:prstGeom>
-          <a:noFill/>
-          <a:extLst>
-            <a:ext uri="{909E8E84-426E-40DD-AFC4-6F175D3DCCD1}">
-              <a14:hiddenFill xmlns:a14="http://schemas.microsoft.com/office/drawing/2010/main">
-                <a:solidFill>
-                  <a:srgbClr val="FFFFFF"/>
-                </a:solidFill>
-              </a14:hiddenFill>
-            </a:ext>
-          </a:extLst>
-        </p:spPr>
-      </p:pic>
-      <p:sp>
-        <p:nvSpPr>
-          <p:cNvPr id="4" name="Title 3">
-            <a:extLst>
-              <a:ext uri="{FF2B5EF4-FFF2-40B4-BE49-F238E27FC236}">
-                <a16:creationId xmlns:a16="http://schemas.microsoft.com/office/drawing/2014/main" id="{183115D7-6C74-6528-F23C-B81DEA42F2D7}"/>
-              </a:ext>
-            </a:extLst>
-          </p:cNvPr>
-          <p:cNvSpPr>
-            <a:spLocks noGrp="1"/>
-          </p:cNvSpPr>
-          <p:nvPr>
-            <p:ph type="title"/>
-          </p:nvPr>
-        </p:nvSpPr>
-        <p:spPr>
-          <a:xfrm>
-            <a:off x="468086" y="385004"/>
-            <a:ext cx="11266714" cy="589032"/>
-          </a:xfrm>
-        </p:spPr>
-        <p:txBody>
-          <a:bodyPr anchor="ctr">
-            <a:normAutofit/>
-          </a:bodyPr>
-          <a:lstStyle/>
-          <a:p>
-            <a:r>
-              <a:rPr lang="en-US" sz="3400" dirty="0"/>
-              <a:t>Agile</a:t>
-            </a:r>
-          </a:p>
-        </p:txBody>
-      </p:sp>
-      <p:pic>
-        <p:nvPicPr>
-          <p:cNvPr id="15" name="Picture 14" descr="A table with colorful squares&#10;&#10;Description automatically generated with medium confidence">
-            <a:extLst>
-              <a:ext uri="{FF2B5EF4-FFF2-40B4-BE49-F238E27FC236}">
-                <a16:creationId xmlns:a16="http://schemas.microsoft.com/office/drawing/2014/main" id="{2B6210E4-8915-F26F-C69B-4DD3970B7D9A}"/>
-              </a:ext>
-            </a:extLst>
-          </p:cNvPr>
-          <p:cNvPicPr>
-            <a:picLocks noChangeAspect="1"/>
-          </p:cNvPicPr>
-          <p:nvPr/>
-        </p:nvPicPr>
-        <p:blipFill rotWithShape="1">
-          <a:blip r:embed="rId4"/>
-          <a:srcRect t="9083" r="1" b="1"/>
-          <a:stretch/>
-        </p:blipFill>
-        <p:spPr>
-          <a:xfrm>
-            <a:off x="6286962" y="1543323"/>
-            <a:ext cx="5458727" cy="4317728"/>
-          </a:xfrm>
-          <a:prstGeom prst="rect">
-            <a:avLst/>
-          </a:prstGeom>
-          <a:noFill/>
-        </p:spPr>
-      </p:pic>
-      <p:sp>
-        <p:nvSpPr>
-          <p:cNvPr id="2" name="Text Placeholder 1">
-            <a:extLst>
-              <a:ext uri="{FF2B5EF4-FFF2-40B4-BE49-F238E27FC236}">
-                <a16:creationId xmlns:a16="http://schemas.microsoft.com/office/drawing/2014/main" id="{EFE80EDF-A818-238F-8741-CAE4C25A65DC}"/>
-              </a:ext>
-            </a:extLst>
-          </p:cNvPr>
-          <p:cNvSpPr>
-            <a:spLocks noGrp="1"/>
-          </p:cNvSpPr>
-          <p:nvPr>
-            <p:ph type="body" sz="quarter" idx="13"/>
-          </p:nvPr>
-        </p:nvSpPr>
-        <p:spPr>
-          <a:xfrm>
-            <a:off x="457200" y="954291"/>
-            <a:ext cx="11277600" cy="365760"/>
-          </a:xfrm>
-        </p:spPr>
-        <p:txBody>
-          <a:bodyPr>
-            <a:normAutofit lnSpcReduction="10000"/>
-          </a:bodyPr>
-          <a:lstStyle/>
-          <a:p>
-            <a:r>
-              <a:rPr lang="en-US" sz="2000" dirty="0"/>
-              <a:t>The Data Mine</a:t>
-            </a:r>
-          </a:p>
-        </p:txBody>
-      </p:sp>
-      <p:sp>
-        <p:nvSpPr>
-          <p:cNvPr id="5" name="Slide Number Placeholder 4">
-            <a:extLst>
-              <a:ext uri="{FF2B5EF4-FFF2-40B4-BE49-F238E27FC236}">
-                <a16:creationId xmlns:a16="http://schemas.microsoft.com/office/drawing/2014/main" id="{1E20F8CE-5ADA-39BC-305A-AC9139015A81}"/>
-              </a:ext>
-            </a:extLst>
-          </p:cNvPr>
-          <p:cNvSpPr>
-            <a:spLocks noGrp="1"/>
-          </p:cNvSpPr>
-          <p:nvPr>
-            <p:ph type="sldNum" sz="quarter" idx="14"/>
-          </p:nvPr>
-        </p:nvSpPr>
-        <p:spPr>
-          <a:xfrm>
-            <a:off x="10634663" y="6290433"/>
-            <a:ext cx="1100137" cy="365125"/>
-          </a:xfrm>
-        </p:spPr>
-        <p:txBody>
-          <a:bodyPr anchor="ctr">
-            <a:normAutofit/>
-          </a:bodyPr>
-          <a:lstStyle/>
-          <a:p>
-            <a:pPr>
-              <a:spcAft>
-                <a:spcPts val="600"/>
-              </a:spcAft>
-            </a:pPr>
-            <a:fld id="{F994776A-187E-9540-9EA4-8D5781AB769D}" type="slidenum">
-              <a:rPr lang="en-US" smtClean="0"/>
-              <a:pPr>
-                <a:spcAft>
-                  <a:spcPts val="600"/>
-                </a:spcAft>
-              </a:pPr>
-              <a:t>7</a:t>
-            </a:fld>
-            <a:endParaRPr lang="en-US"/>
-          </a:p>
-        </p:txBody>
-      </p:sp>
-      <p:sp>
-        <p:nvSpPr>
-          <p:cNvPr id="17" name="TextBox 16">
-            <a:extLst>
-              <a:ext uri="{FF2B5EF4-FFF2-40B4-BE49-F238E27FC236}">
-                <a16:creationId xmlns:a16="http://schemas.microsoft.com/office/drawing/2014/main" id="{0BFDD21F-2734-902A-2D28-7BBDA20E5A7B}"/>
-              </a:ext>
-            </a:extLst>
-          </p:cNvPr>
-          <p:cNvSpPr txBox="1"/>
-          <p:nvPr/>
-        </p:nvSpPr>
-        <p:spPr>
-          <a:xfrm>
-            <a:off x="6615953" y="6290433"/>
-            <a:ext cx="5118847" cy="369332"/>
-          </a:xfrm>
-          <a:prstGeom prst="rect">
-            <a:avLst/>
-          </a:prstGeom>
-          <a:noFill/>
-        </p:spPr>
-        <p:txBody>
-          <a:bodyPr wrap="square" rtlCol="0">
-            <a:spAutoFit/>
-          </a:bodyPr>
-          <a:lstStyle/>
-          <a:p>
-            <a:r>
-              <a:rPr lang="en-US" dirty="0"/>
-              <a:t>https://the-examples-</a:t>
-            </a:r>
-            <a:r>
-              <a:rPr lang="en-US" dirty="0" err="1"/>
-              <a:t>book.com</a:t>
-            </a:r>
-            <a:r>
-              <a:rPr lang="en-US" dirty="0"/>
-              <a:t>/</a:t>
-            </a:r>
-            <a:r>
-              <a:rPr lang="en-US" dirty="0" err="1"/>
-              <a:t>crp</a:t>
-            </a:r>
-            <a:r>
-              <a:rPr lang="en-US" dirty="0"/>
-              <a:t>/agile/</a:t>
-            </a:r>
-          </a:p>
-        </p:txBody>
-      </p:sp>
-    </p:spTree>
-    <p:extLst>
-      <p:ext uri="{BB962C8B-B14F-4D97-AF65-F5344CB8AC3E}">
-        <p14:creationId xmlns:p14="http://schemas.microsoft.com/office/powerpoint/2010/main" val="1696456461"/>
-      </p:ext>
-    </p:extLst>
-  </p:cSld>
-  <p:clrMapOvr>
-    <a:masterClrMapping/>
-  </p:clrMapOvr>
-</p:sld>
-</file>
-
-<file path=ppt/slides/slide8.xml><?xml version="1.0" encoding="utf-8"?>
-<p:sld xmlns:a="http://schemas.openxmlformats.org/drawingml/2006/main" xmlns:r="http://schemas.openxmlformats.org/officeDocument/2006/relationships" xmlns:p="http://schemas.openxmlformats.org/presentationml/2006/main">
-  <p:cSld>
-    <p:spTree>
-      <p:nvGrpSpPr>
-        <p:cNvPr id="1" name=""/>
-        <p:cNvGrpSpPr/>
-        <p:nvPr/>
-      </p:nvGrpSpPr>
-      <p:grpSpPr>
-        <a:xfrm>
-          <a:off x="0" y="0"/>
-          <a:ext cx="0" cy="0"/>
-          <a:chOff x="0" y="0"/>
-          <a:chExt cx="0" cy="0"/>
-        </a:xfrm>
-      </p:grpSpPr>
-      <p:pic>
-        <p:nvPicPr>
           <p:cNvPr id="7" name="Content Placeholder 6" descr="Document outline">
             <a:extLst>
               <a:ext uri="{FF2B5EF4-FFF2-40B4-BE49-F238E27FC236}">
@@ -24173,7 +21581,7 @@
             <a:fld id="{F994776A-187E-9540-9EA4-8D5781AB769D}" type="slidenum">
               <a:rPr lang="en-US" smtClean="0"/>
               <a:pPr/>
-              <a:t>8</a:t>
+              <a:t>7</a:t>
             </a:fld>
             <a:endParaRPr lang="en-US" dirty="0"/>
           </a:p>
@@ -24227,7 +21635,7 @@
 </p:sld>
 </file>
 
-<file path=ppt/slides/slide9.xml><?xml version="1.0" encoding="utf-8"?>
+<file path=ppt/slides/slide8.xml><?xml version="1.0" encoding="utf-8"?>
 <p:sld xmlns:a="http://schemas.openxmlformats.org/drawingml/2006/main" xmlns:r="http://schemas.openxmlformats.org/officeDocument/2006/relationships" xmlns:p="http://schemas.openxmlformats.org/presentationml/2006/main">
   <p:cSld>
     <p:spTree>
